--- a/slides/08-Pointers.pptx
+++ b/slides/08-Pointers.pptx
@@ -264,7 +264,7 @@
           <a:p>
             <a:fld id="{F83332AF-25CD-4F6A-A43B-D3F750BDAB3D}" type="datetimeFigureOut">
               <a:rPr lang="en-US" smtClean="0"/>
-              <a:t>7/9/2023</a:t>
+              <a:t>9/22/2023</a:t>
             </a:fld>
             <a:endParaRPr lang="en-US"/>
           </a:p>
@@ -434,7 +434,7 @@
           <a:p>
             <a:fld id="{F83332AF-25CD-4F6A-A43B-D3F750BDAB3D}" type="datetimeFigureOut">
               <a:rPr lang="en-US" smtClean="0"/>
-              <a:t>7/9/2023</a:t>
+              <a:t>9/22/2023</a:t>
             </a:fld>
             <a:endParaRPr lang="en-US"/>
           </a:p>
@@ -614,7 +614,7 @@
           <a:p>
             <a:fld id="{F83332AF-25CD-4F6A-A43B-D3F750BDAB3D}" type="datetimeFigureOut">
               <a:rPr lang="en-US" smtClean="0"/>
-              <a:t>7/9/2023</a:t>
+              <a:t>9/22/2023</a:t>
             </a:fld>
             <a:endParaRPr lang="en-US"/>
           </a:p>
@@ -784,7 +784,7 @@
           <a:p>
             <a:fld id="{F83332AF-25CD-4F6A-A43B-D3F750BDAB3D}" type="datetimeFigureOut">
               <a:rPr lang="en-US" smtClean="0"/>
-              <a:t>7/9/2023</a:t>
+              <a:t>9/22/2023</a:t>
             </a:fld>
             <a:endParaRPr lang="en-US"/>
           </a:p>
@@ -1030,7 +1030,7 @@
           <a:p>
             <a:fld id="{F83332AF-25CD-4F6A-A43B-D3F750BDAB3D}" type="datetimeFigureOut">
               <a:rPr lang="en-US" smtClean="0"/>
-              <a:t>7/9/2023</a:t>
+              <a:t>9/22/2023</a:t>
             </a:fld>
             <a:endParaRPr lang="en-US"/>
           </a:p>
@@ -1262,7 +1262,7 @@
           <a:p>
             <a:fld id="{F83332AF-25CD-4F6A-A43B-D3F750BDAB3D}" type="datetimeFigureOut">
               <a:rPr lang="en-US" smtClean="0"/>
-              <a:t>7/9/2023</a:t>
+              <a:t>9/22/2023</a:t>
             </a:fld>
             <a:endParaRPr lang="en-US"/>
           </a:p>
@@ -1629,7 +1629,7 @@
           <a:p>
             <a:fld id="{F83332AF-25CD-4F6A-A43B-D3F750BDAB3D}" type="datetimeFigureOut">
               <a:rPr lang="en-US" smtClean="0"/>
-              <a:t>7/9/2023</a:t>
+              <a:t>9/22/2023</a:t>
             </a:fld>
             <a:endParaRPr lang="en-US"/>
           </a:p>
@@ -1747,7 +1747,7 @@
           <a:p>
             <a:fld id="{F83332AF-25CD-4F6A-A43B-D3F750BDAB3D}" type="datetimeFigureOut">
               <a:rPr lang="en-US" smtClean="0"/>
-              <a:t>7/9/2023</a:t>
+              <a:t>9/22/2023</a:t>
             </a:fld>
             <a:endParaRPr lang="en-US"/>
           </a:p>
@@ -1842,7 +1842,7 @@
           <a:p>
             <a:fld id="{F83332AF-25CD-4F6A-A43B-D3F750BDAB3D}" type="datetimeFigureOut">
               <a:rPr lang="en-US" smtClean="0"/>
-              <a:t>7/9/2023</a:t>
+              <a:t>9/22/2023</a:t>
             </a:fld>
             <a:endParaRPr lang="en-US"/>
           </a:p>
@@ -2119,7 +2119,7 @@
           <a:p>
             <a:fld id="{F83332AF-25CD-4F6A-A43B-D3F750BDAB3D}" type="datetimeFigureOut">
               <a:rPr lang="en-US" smtClean="0"/>
-              <a:t>7/9/2023</a:t>
+              <a:t>9/22/2023</a:t>
             </a:fld>
             <a:endParaRPr lang="en-US"/>
           </a:p>
@@ -2372,7 +2372,7 @@
           <a:p>
             <a:fld id="{F83332AF-25CD-4F6A-A43B-D3F750BDAB3D}" type="datetimeFigureOut">
               <a:rPr lang="en-US" smtClean="0"/>
-              <a:t>7/9/2023</a:t>
+              <a:t>9/22/2023</a:t>
             </a:fld>
             <a:endParaRPr lang="en-US"/>
           </a:p>
@@ -2585,7 +2585,7 @@
           <a:p>
             <a:fld id="{F83332AF-25CD-4F6A-A43B-D3F750BDAB3D}" type="datetimeFigureOut">
               <a:rPr lang="en-US" smtClean="0"/>
-              <a:t>7/9/2023</a:t>
+              <a:t>9/22/2023</a:t>
             </a:fld>
             <a:endParaRPr lang="en-US"/>
           </a:p>
@@ -12287,16 +12287,7 @@
                 </a:solidFill>
                 <a:cs typeface="Courier New" panose="02070309020205020404" pitchFamily="49" charset="0"/>
               </a:rPr>
-              <a:t>// </a:t>
-            </a:r>
-            <a:r>
-              <a:rPr lang="en-US" i="1" dirty="0">
-                <a:solidFill>
-                  <a:srgbClr val="002060"/>
-                </a:solidFill>
-                <a:cs typeface="Courier New" panose="02070309020205020404" pitchFamily="49" charset="0"/>
-              </a:rPr>
-              <a:t>print all the strings </a:t>
+              <a:t>// print all the strings </a:t>
             </a:r>
             <a:r>
               <a:rPr lang="en-US" i="1" dirty="0" smtClean="0">
@@ -13569,7 +13560,15 @@
             </a:r>
             <a:r>
               <a:rPr lang="en-US" dirty="0" smtClean="0"/>
-              <a:t>Note that  is </a:t>
+              <a:t>Note </a:t>
+            </a:r>
+            <a:r>
+              <a:rPr lang="en-US" dirty="0" smtClean="0"/>
+              <a:t>that *  </a:t>
+            </a:r>
+            <a:r>
+              <a:rPr lang="en-US" dirty="0" smtClean="0"/>
+              <a:t>is </a:t>
             </a:r>
             <a:r>
               <a:rPr lang="en-US" b="1" i="1" dirty="0" smtClean="0"/>
@@ -13609,56 +13608,37 @@
                   <a:srgbClr val="FF0000"/>
                 </a:solidFill>
               </a:rPr>
-              <a:t>&amp; x </a:t>
-            </a:r>
-            <a:r>
-              <a:rPr lang="en-US" dirty="0"/>
-              <a:t> </a:t>
-            </a:r>
-            <a:r>
-              <a:rPr lang="en-US" dirty="0" smtClean="0"/>
-              <a:t>  give the address of a variable x.</a:t>
-            </a:r>
-          </a:p>
-          <a:p>
-            <a:r>
-              <a:rPr lang="en-US" dirty="0" smtClean="0"/>
-              <a:t>The ‘</a:t>
-            </a:r>
-            <a:r>
-              <a:rPr lang="en-US" dirty="0" smtClean="0">
+              <a:t>&amp; </a:t>
+            </a:r>
+            <a:r>
+              <a:rPr lang="en-US" smtClean="0">
                 <a:solidFill>
                   <a:srgbClr val="FF0000"/>
                 </a:solidFill>
-                <a:latin typeface="Courier New" panose="02070309020205020404" pitchFamily="49" charset="0"/>
-                <a:cs typeface="Courier New" panose="02070309020205020404" pitchFamily="49" charset="0"/>
-              </a:rPr>
-              <a:t>&amp;</a:t>
+              </a:rPr>
+              <a:t>x </a:t>
+            </a:r>
+            <a:r>
+              <a:rPr lang="en-US"/>
+              <a:t> </a:t>
+            </a:r>
+            <a:r>
+              <a:rPr lang="en-US" smtClean="0"/>
+              <a:t>  </a:t>
+            </a:r>
+            <a:r>
+              <a:rPr lang="en-US" smtClean="0"/>
+              <a:t>gives </a:t>
             </a:r>
             <a:r>
               <a:rPr lang="en-US" dirty="0" smtClean="0"/>
-              <a:t>’ operator used as unary means ‘address of’. Therefore its operand (in this case x) must be an </a:t>
-            </a:r>
-            <a:r>
-              <a:rPr lang="en-US" b="1" i="1" dirty="0" err="1" smtClean="0"/>
-              <a:t>lvalue</a:t>
-            </a:r>
+              <a:t>the address of a variable x.</a:t>
+            </a:r>
+          </a:p>
+          <a:p>
             <a:r>
               <a:rPr lang="en-US" dirty="0" smtClean="0"/>
-              <a:t>.</a:t>
-            </a:r>
-          </a:p>
-          <a:p>
-            <a:r>
-              <a:rPr lang="en-US" dirty="0" smtClean="0"/>
-              <a:t>We can say   </a:t>
-            </a:r>
-            <a:r>
-              <a:rPr lang="en-US" dirty="0" smtClean="0">
-                <a:latin typeface="Courier New" panose="02070309020205020404" pitchFamily="49" charset="0"/>
-                <a:cs typeface="Courier New" panose="02070309020205020404" pitchFamily="49" charset="0"/>
-              </a:rPr>
-              <a:t>p = </a:t>
+              <a:t>The ‘</a:t>
             </a:r>
             <a:r>
               <a:rPr lang="en-US" dirty="0" smtClean="0">
@@ -13671,6 +13651,41 @@
               <a:t>&amp;</a:t>
             </a:r>
             <a:r>
+              <a:rPr lang="en-US" dirty="0" smtClean="0"/>
+              <a:t>’ operator used as unary means ‘address of’. Therefore its operand (in this case x) must be an </a:t>
+            </a:r>
+            <a:r>
+              <a:rPr lang="en-US" b="1" i="1" dirty="0" err="1" smtClean="0"/>
+              <a:t>lvalue</a:t>
+            </a:r>
+            <a:r>
+              <a:rPr lang="en-US" dirty="0" smtClean="0"/>
+              <a:t>.</a:t>
+            </a:r>
+          </a:p>
+          <a:p>
+            <a:r>
+              <a:rPr lang="en-US" dirty="0" smtClean="0"/>
+              <a:t>We can say   </a:t>
+            </a:r>
+            <a:r>
+              <a:rPr lang="en-US" dirty="0" smtClean="0">
+                <a:latin typeface="Courier New" panose="02070309020205020404" pitchFamily="49" charset="0"/>
+                <a:cs typeface="Courier New" panose="02070309020205020404" pitchFamily="49" charset="0"/>
+              </a:rPr>
+              <a:t>p = </a:t>
+            </a:r>
+            <a:r>
+              <a:rPr lang="en-US" dirty="0" smtClean="0">
+                <a:solidFill>
+                  <a:srgbClr val="FF0000"/>
+                </a:solidFill>
+                <a:latin typeface="Courier New" panose="02070309020205020404" pitchFamily="49" charset="0"/>
+                <a:cs typeface="Courier New" panose="02070309020205020404" pitchFamily="49" charset="0"/>
+              </a:rPr>
+              <a:t>&amp;</a:t>
+            </a:r>
+            <a:r>
               <a:rPr lang="en-US" dirty="0" smtClean="0">
                 <a:latin typeface="Courier New" panose="02070309020205020404" pitchFamily="49" charset="0"/>
                 <a:cs typeface="Courier New" panose="02070309020205020404" pitchFamily="49" charset="0"/>
@@ -13686,10 +13701,34 @@
           </a:p>
           <a:p>
             <a:r>
-              <a:rPr lang="en-US" i="1" dirty="0" smtClean="0">
-                <a:cs typeface="Courier New" panose="02070309020205020404" pitchFamily="49" charset="0"/>
-              </a:rPr>
-              <a:t>Once p has a valid integers address</a:t>
+              <a:rPr lang="en-US" i="1" u="sng" dirty="0" smtClean="0">
+                <a:cs typeface="Courier New" panose="02070309020205020404" pitchFamily="49" charset="0"/>
+              </a:rPr>
+              <a:t>Once </a:t>
+            </a:r>
+            <a:r>
+              <a:rPr lang="en-US" b="1" i="1" u="sng" dirty="0" smtClean="0">
+                <a:cs typeface="Courier New" panose="02070309020205020404" pitchFamily="49" charset="0"/>
+              </a:rPr>
+              <a:t>p</a:t>
+            </a:r>
+            <a:r>
+              <a:rPr lang="en-US" i="1" u="sng" dirty="0" smtClean="0">
+                <a:cs typeface="Courier New" panose="02070309020205020404" pitchFamily="49" charset="0"/>
+              </a:rPr>
+              <a:t> has a valid </a:t>
+            </a:r>
+            <a:r>
+              <a:rPr lang="en-US" i="1" u="sng" dirty="0" smtClean="0">
+                <a:cs typeface="Courier New" panose="02070309020205020404" pitchFamily="49" charset="0"/>
+              </a:rPr>
+              <a:t>integer’s </a:t>
+            </a:r>
+            <a:r>
+              <a:rPr lang="en-US" i="1" u="sng" dirty="0" smtClean="0">
+                <a:cs typeface="Courier New" panose="02070309020205020404" pitchFamily="49" charset="0"/>
+              </a:rPr>
+              <a:t>address</a:t>
             </a:r>
             <a:r>
               <a:rPr lang="en-US" dirty="0" smtClean="0">
@@ -13711,13 +13750,25 @@
               <a:rPr lang="en-US" dirty="0" smtClean="0">
                 <a:cs typeface="Courier New" panose="02070309020205020404" pitchFamily="49" charset="0"/>
               </a:rPr>
-              <a:t>to get the value of the integer in the location that p has the address of</a:t>
-            </a:r>
-            <a:r>
-              <a:rPr lang="en-US" dirty="0" smtClean="0">
-                <a:cs typeface="Courier New" panose="02070309020205020404" pitchFamily="49" charset="0"/>
-              </a:rPr>
-              <a:t>. (indirection/ dereference)</a:t>
+              <a:t>to get the value of the integer in the location that p has the address of. </a:t>
+            </a:r>
+            <a:r>
+              <a:rPr lang="en-US" dirty="0" smtClean="0">
+                <a:cs typeface="Courier New" panose="02070309020205020404" pitchFamily="49" charset="0"/>
+              </a:rPr>
+              <a:t>(Here ‘*’ is called the indirection</a:t>
+            </a:r>
+            <a:r>
+              <a:rPr lang="en-US" dirty="0" smtClean="0">
+                <a:cs typeface="Courier New" panose="02070309020205020404" pitchFamily="49" charset="0"/>
+              </a:rPr>
+              <a:t>/ </a:t>
+            </a:r>
+            <a:r>
+              <a:rPr lang="en-US" dirty="0" smtClean="0">
+                <a:cs typeface="Courier New" panose="02070309020205020404" pitchFamily="49" charset="0"/>
+              </a:rPr>
+              <a:t>dereference operator)</a:t>
             </a:r>
             <a:endParaRPr lang="en-US" dirty="0" smtClean="0">
               <a:cs typeface="Courier New" panose="02070309020205020404" pitchFamily="49" charset="0"/>
@@ -14221,7 +14272,7 @@
         <p:spPr>
           <a:xfrm>
             <a:off x="1150991" y="1500495"/>
-            <a:ext cx="4320413" cy="4247317"/>
+            <a:ext cx="5009705" cy="4247317"/>
           </a:xfrm>
           <a:prstGeom prst="rect">
             <a:avLst/>
@@ -14417,10 +14468,13 @@
             </a:r>
           </a:p>
           <a:p>
-            <a:endParaRPr lang="en-US" dirty="0" smtClean="0">
-              <a:latin typeface="Courier New" panose="02070309020205020404" pitchFamily="49" charset="0"/>
-              <a:cs typeface="Courier New" panose="02070309020205020404" pitchFamily="49" charset="0"/>
-            </a:endParaRPr>
+            <a:r>
+              <a:rPr lang="en-US" dirty="0" smtClean="0">
+                <a:latin typeface="Courier New" panose="02070309020205020404" pitchFamily="49" charset="0"/>
+                <a:cs typeface="Courier New" panose="02070309020205020404" pitchFamily="49" charset="0"/>
+              </a:rPr>
+              <a:t>   // value of object p points to ?</a:t>
+            </a:r>
           </a:p>
           <a:p>
             <a:r>
@@ -14593,8 +14647,8 @@
         </p:nvSpPr>
         <p:spPr>
           <a:xfrm>
-            <a:off x="8816667" y="506208"/>
-            <a:ext cx="317716" cy="461665"/>
+            <a:off x="6223853" y="276850"/>
+            <a:ext cx="369012" cy="461665"/>
           </a:xfrm>
           <a:prstGeom prst="rect">
             <a:avLst/>
@@ -14608,10 +14662,22 @@
           <a:lstStyle/>
           <a:p>
             <a:r>
-              <a:rPr lang="en-US" sz="2400" dirty="0" smtClean="0"/>
+              <a:rPr lang="en-US" sz="2400" b="1" dirty="0" smtClean="0">
+                <a:solidFill>
+                  <a:srgbClr val="FF0000"/>
+                </a:solidFill>
+                <a:latin typeface="Courier New" panose="02070309020205020404" pitchFamily="49" charset="0"/>
+                <a:cs typeface="Courier New" panose="02070309020205020404" pitchFamily="49" charset="0"/>
+              </a:rPr>
               <a:t>x</a:t>
             </a:r>
-            <a:endParaRPr lang="en-US" sz="2400" dirty="0"/>
+            <a:endParaRPr lang="en-US" sz="2400" b="1" dirty="0">
+              <a:solidFill>
+                <a:srgbClr val="FF0000"/>
+              </a:solidFill>
+              <a:latin typeface="Courier New" panose="02070309020205020404" pitchFamily="49" charset="0"/>
+              <a:cs typeface="Courier New" panose="02070309020205020404" pitchFamily="49" charset="0"/>
+            </a:endParaRPr>
           </a:p>
         </p:txBody>
       </p:sp>
@@ -14996,6 +15062,109 @@
           </p:txBody>
         </p:sp>
       </p:grpSp>
+      <p:sp>
+        <p:nvSpPr>
+          <p:cNvPr id="23" name="TextBox 22"/>
+          <p:cNvSpPr txBox="1"/>
+          <p:nvPr/>
+        </p:nvSpPr>
+        <p:spPr>
+          <a:xfrm>
+            <a:off x="3847521" y="3986084"/>
+            <a:ext cx="986342" cy="340651"/>
+          </a:xfrm>
+          <a:prstGeom prst="rect">
+            <a:avLst/>
+          </a:prstGeom>
+          <a:solidFill>
+            <a:schemeClr val="bg1">
+              <a:lumMod val="85000"/>
+            </a:schemeClr>
+          </a:solidFill>
+          <a:ln>
+            <a:solidFill>
+              <a:schemeClr val="accent1"/>
+            </a:solidFill>
+            <a:prstDash val="lgDash"/>
+          </a:ln>
+        </p:spPr>
+        <p:txBody>
+          <a:bodyPr wrap="square" rtlCol="0">
+            <a:spAutoFit/>
+          </a:bodyPr>
+          <a:lstStyle/>
+          <a:p>
+            <a:r>
+              <a:rPr lang="en-US" sz="1600" b="1" dirty="0" smtClean="0"/>
+              <a:t>6000004</a:t>
+            </a:r>
+            <a:endParaRPr lang="en-US" sz="1600" b="1" dirty="0"/>
+          </a:p>
+        </p:txBody>
+      </p:sp>
+      <p:sp>
+        <p:nvSpPr>
+          <p:cNvPr id="24" name="Rounded Rectangle 23"/>
+          <p:cNvSpPr/>
+          <p:nvPr/>
+        </p:nvSpPr>
+        <p:spPr>
+          <a:xfrm>
+            <a:off x="3311197" y="4841346"/>
+            <a:ext cx="1336431" cy="616414"/>
+          </a:xfrm>
+          <a:prstGeom prst="roundRect">
+            <a:avLst/>
+          </a:prstGeom>
+          <a:solidFill>
+            <a:schemeClr val="accent1">
+              <a:lumMod val="40000"/>
+              <a:lumOff val="60000"/>
+            </a:schemeClr>
+          </a:solidFill>
+          <a:ln w="41275">
+            <a:solidFill>
+              <a:srgbClr val="FF0000"/>
+            </a:solidFill>
+          </a:ln>
+        </p:spPr>
+        <p:style>
+          <a:lnRef idx="2">
+            <a:schemeClr val="accent1">
+              <a:shade val="50000"/>
+            </a:schemeClr>
+          </a:lnRef>
+          <a:fillRef idx="1">
+            <a:schemeClr val="accent1"/>
+          </a:fillRef>
+          <a:effectRef idx="0">
+            <a:schemeClr val="accent1"/>
+          </a:effectRef>
+          <a:fontRef idx="minor">
+            <a:schemeClr val="lt1"/>
+          </a:fontRef>
+        </p:style>
+        <p:txBody>
+          <a:bodyPr rtlCol="0" anchor="ctr"/>
+          <a:lstStyle/>
+          <a:p>
+            <a:pPr algn="ctr"/>
+            <a:r>
+              <a:rPr lang="en-US" b="1" dirty="0" smtClean="0">
+                <a:solidFill>
+                  <a:schemeClr val="tx1"/>
+                </a:solidFill>
+              </a:rPr>
+              <a:t>15223</a:t>
+            </a:r>
+            <a:endParaRPr lang="en-US" b="1" dirty="0">
+              <a:solidFill>
+                <a:schemeClr val="tx1"/>
+              </a:solidFill>
+            </a:endParaRPr>
+          </a:p>
+        </p:txBody>
+      </p:sp>
     </p:spTree>
     <p:extLst>
       <p:ext uri="{BB962C8B-B14F-4D97-AF65-F5344CB8AC3E}">
@@ -15246,7 +15415,7 @@
                             </p:stCondLst>
                             <p:childTnLst>
                               <p:par>
-                                <p:cTn id="23" presetID="1" presetClass="entr" presetSubtype="0" fill="hold" nodeType="clickEffect">
+                                <p:cTn id="23" presetID="1" presetClass="entr" presetSubtype="0" fill="hold" grpId="0" nodeType="clickEffect">
                                   <p:stCondLst>
                                     <p:cond delay="0"/>
                                   </p:stCondLst>
@@ -15259,11 +15428,7 @@
                                           </p:stCondLst>
                                         </p:cTn>
                                         <p:tgtEl>
-                                          <p:spTgt spid="16">
-                                            <p:txEl>
-                                              <p:pRg st="7" end="7"/>
-                                            </p:txEl>
-                                          </p:spTgt>
+                                          <p:spTgt spid="23"/>
                                         </p:tgtEl>
                                         <p:attrNameLst>
                                           <p:attrName>style.visibility</p:attrName>
@@ -15303,6 +15468,131 @@
                                     <p:set>
                                       <p:cBhvr>
                                         <p:cTn id="28" dur="1" fill="hold">
+                                          <p:stCondLst>
+                                            <p:cond delay="0"/>
+                                          </p:stCondLst>
+                                        </p:cTn>
+                                        <p:tgtEl>
+                                          <p:spTgt spid="16">
+                                            <p:txEl>
+                                              <p:pRg st="7" end="7"/>
+                                            </p:txEl>
+                                          </p:spTgt>
+                                        </p:tgtEl>
+                                        <p:attrNameLst>
+                                          <p:attrName>style.visibility</p:attrName>
+                                        </p:attrNameLst>
+                                      </p:cBhvr>
+                                      <p:to>
+                                        <p:strVal val="visible"/>
+                                      </p:to>
+                                    </p:set>
+                                  </p:childTnLst>
+                                </p:cTn>
+                              </p:par>
+                              <p:par>
+                                <p:cTn id="29" presetID="1" presetClass="entr" presetSubtype="0" fill="hold" nodeType="withEffect">
+                                  <p:stCondLst>
+                                    <p:cond delay="0"/>
+                                  </p:stCondLst>
+                                  <p:childTnLst>
+                                    <p:set>
+                                      <p:cBhvr>
+                                        <p:cTn id="30" dur="1" fill="hold">
+                                          <p:stCondLst>
+                                            <p:cond delay="0"/>
+                                          </p:stCondLst>
+                                        </p:cTn>
+                                        <p:tgtEl>
+                                          <p:spTgt spid="16">
+                                            <p:txEl>
+                                              <p:pRg st="6" end="6"/>
+                                            </p:txEl>
+                                          </p:spTgt>
+                                        </p:tgtEl>
+                                        <p:attrNameLst>
+                                          <p:attrName>style.visibility</p:attrName>
+                                        </p:attrNameLst>
+                                      </p:cBhvr>
+                                      <p:to>
+                                        <p:strVal val="visible"/>
+                                      </p:to>
+                                    </p:set>
+                                  </p:childTnLst>
+                                </p:cTn>
+                              </p:par>
+                            </p:childTnLst>
+                          </p:cTn>
+                        </p:par>
+                      </p:childTnLst>
+                    </p:cTn>
+                  </p:par>
+                  <p:par>
+                    <p:cTn id="31" fill="hold">
+                      <p:stCondLst>
+                        <p:cond delay="indefinite"/>
+                      </p:stCondLst>
+                      <p:childTnLst>
+                        <p:par>
+                          <p:cTn id="32" fill="hold">
+                            <p:stCondLst>
+                              <p:cond delay="0"/>
+                            </p:stCondLst>
+                            <p:childTnLst>
+                              <p:par>
+                                <p:cTn id="33" presetID="1" presetClass="entr" presetSubtype="0" fill="hold" grpId="0" nodeType="clickEffect">
+                                  <p:stCondLst>
+                                    <p:cond delay="0"/>
+                                  </p:stCondLst>
+                                  <p:childTnLst>
+                                    <p:set>
+                                      <p:cBhvr>
+                                        <p:cTn id="34" dur="1" fill="hold">
+                                          <p:stCondLst>
+                                            <p:cond delay="0"/>
+                                          </p:stCondLst>
+                                        </p:cTn>
+                                        <p:tgtEl>
+                                          <p:spTgt spid="24"/>
+                                        </p:tgtEl>
+                                        <p:attrNameLst>
+                                          <p:attrName>style.visibility</p:attrName>
+                                        </p:attrNameLst>
+                                      </p:cBhvr>
+                                      <p:to>
+                                        <p:strVal val="visible"/>
+                                      </p:to>
+                                    </p:set>
+                                  </p:childTnLst>
+                                </p:cTn>
+                              </p:par>
+                            </p:childTnLst>
+                          </p:cTn>
+                        </p:par>
+                      </p:childTnLst>
+                    </p:cTn>
+                  </p:par>
+                  <p:par>
+                    <p:cTn id="35" fill="hold">
+                      <p:stCondLst>
+                        <p:cond delay="indefinite"/>
+                      </p:stCondLst>
+                      <p:childTnLst>
+                        <p:par>
+                          <p:cTn id="36" fill="hold">
+                            <p:stCondLst>
+                              <p:cond delay="0"/>
+                            </p:stCondLst>
+                            <p:childTnLst>
+                              <p:par>
+                                <p:cTn id="37" presetID="1" presetClass="entr" presetSubtype="0" fill="hold" nodeType="clickEffect">
+                                  <p:stCondLst>
+                                    <p:cond delay="0"/>
+                                  </p:stCondLst>
+                                  <p:childTnLst>
+                                    <p:set>
+                                      <p:cBhvr>
+                                        <p:cTn id="38" dur="1" fill="hold">
                                           <p:stCondLst>
                                             <p:cond delay="0"/>
                                           </p:stCondLst>
@@ -15351,6 +15641,8 @@
     <p:bldLst>
       <p:bldP spid="20" grpId="0" animBg="1"/>
       <p:bldP spid="21" grpId="0" animBg="1"/>
+      <p:bldP spid="23" grpId="0" animBg="1"/>
+      <p:bldP spid="24" grpId="0" animBg="1"/>
     </p:bldLst>
   </p:timing>
 </p:sld>
@@ -15587,40 +15879,26 @@
                 <a:latin typeface="Courier New" panose="02070309020205020404" pitchFamily="49" charset="0"/>
                 <a:cs typeface="Courier New" panose="02070309020205020404" pitchFamily="49" charset="0"/>
               </a:rPr>
-              <a:t>(“%</a:t>
+              <a:t>(“%p”, p);</a:t>
+            </a:r>
+            <a:br>
+              <a:rPr lang="en-US" dirty="0" smtClean="0">
+                <a:latin typeface="Courier New" panose="02070309020205020404" pitchFamily="49" charset="0"/>
+                <a:cs typeface="Courier New" panose="02070309020205020404" pitchFamily="49" charset="0"/>
+              </a:rPr>
+            </a:br>
+            <a:r>
+              <a:rPr lang="en-US" dirty="0" smtClean="0">
+                <a:latin typeface="Courier New" panose="02070309020205020404" pitchFamily="49" charset="0"/>
+                <a:cs typeface="Courier New" panose="02070309020205020404" pitchFamily="49" charset="0"/>
+              </a:rPr>
+              <a:t>  </a:t>
             </a:r>
             <a:r>
               <a:rPr lang="en-US" dirty="0" err="1" smtClean="0">
                 <a:latin typeface="Courier New" panose="02070309020205020404" pitchFamily="49" charset="0"/>
                 <a:cs typeface="Courier New" panose="02070309020205020404" pitchFamily="49" charset="0"/>
               </a:rPr>
-              <a:t>p”,p</a:t>
-            </a:r>
-            <a:r>
-              <a:rPr lang="en-US" dirty="0" smtClean="0">
-                <a:latin typeface="Courier New" panose="02070309020205020404" pitchFamily="49" charset="0"/>
-                <a:cs typeface="Courier New" panose="02070309020205020404" pitchFamily="49" charset="0"/>
-              </a:rPr>
-              <a:t>);</a:t>
-            </a:r>
-            <a:br>
-              <a:rPr lang="en-US" dirty="0" smtClean="0">
-                <a:latin typeface="Courier New" panose="02070309020205020404" pitchFamily="49" charset="0"/>
-                <a:cs typeface="Courier New" panose="02070309020205020404" pitchFamily="49" charset="0"/>
-              </a:rPr>
-            </a:br>
-            <a:r>
-              <a:rPr lang="en-US" dirty="0" smtClean="0">
-                <a:latin typeface="Courier New" panose="02070309020205020404" pitchFamily="49" charset="0"/>
-                <a:cs typeface="Courier New" panose="02070309020205020404" pitchFamily="49" charset="0"/>
-              </a:rPr>
-              <a:t>  </a:t>
-            </a:r>
-            <a:r>
-              <a:rPr lang="en-US" dirty="0" err="1" smtClean="0">
-                <a:latin typeface="Courier New" panose="02070309020205020404" pitchFamily="49" charset="0"/>
-                <a:cs typeface="Courier New" panose="02070309020205020404" pitchFamily="49" charset="0"/>
-              </a:rPr>
               <a:t>printf</a:t>
             </a:r>
             <a:r>
@@ -15628,7 +15906,7 @@
                 <a:latin typeface="Courier New" panose="02070309020205020404" pitchFamily="49" charset="0"/>
                 <a:cs typeface="Courier New" panose="02070309020205020404" pitchFamily="49" charset="0"/>
               </a:rPr>
-              <a:t>(“%d”, *p);  </a:t>
+              <a:t>(“%d”,*p);  </a:t>
             </a:r>
           </a:p>
           <a:p>
@@ -15749,7 +16027,7 @@
                 <a:latin typeface="Courier New" panose="02070309020205020404" pitchFamily="49" charset="0"/>
                 <a:cs typeface="Courier New" panose="02070309020205020404" pitchFamily="49" charset="0"/>
               </a:rPr>
-              <a:t>  x) {</a:t>
+              <a:t>  k) {</a:t>
             </a:r>
             <a:br>
               <a:rPr lang="en-US" dirty="0" smtClean="0">
@@ -15762,7 +16040,7 @@
                 <a:latin typeface="Courier New" panose="02070309020205020404" pitchFamily="49" charset="0"/>
                 <a:cs typeface="Courier New" panose="02070309020205020404" pitchFamily="49" charset="0"/>
               </a:rPr>
-              <a:t>    x = x + 1;</a:t>
+              <a:t>    k = k + 1;</a:t>
             </a:r>
             <a:br>
               <a:rPr lang="en-US" dirty="0" smtClean="0">
@@ -15803,34 +16081,34 @@
               </a:rPr>
             </a:br>
             <a:r>
-              <a:rPr lang="en-US" dirty="0" smtClean="0">
+              <a:rPr lang="en-US" sz="2400" dirty="0" smtClean="0">
                 <a:latin typeface="Courier New" panose="02070309020205020404" pitchFamily="49" charset="0"/>
                 <a:cs typeface="Courier New" panose="02070309020205020404" pitchFamily="49" charset="0"/>
               </a:rPr>
               <a:t>   </a:t>
             </a:r>
             <a:r>
-              <a:rPr lang="en-US" dirty="0" err="1" smtClean="0">
+              <a:rPr lang="en-US" sz="2400" dirty="0" err="1" smtClean="0">
                 <a:latin typeface="Courier New" panose="02070309020205020404" pitchFamily="49" charset="0"/>
                 <a:cs typeface="Courier New" panose="02070309020205020404" pitchFamily="49" charset="0"/>
               </a:rPr>
               <a:t>int</a:t>
             </a:r>
             <a:r>
-              <a:rPr lang="en-US" dirty="0" smtClean="0">
+              <a:rPr lang="en-US" sz="2400" dirty="0" smtClean="0">
                 <a:latin typeface="Courier New" panose="02070309020205020404" pitchFamily="49" charset="0"/>
                 <a:cs typeface="Courier New" panose="02070309020205020404" pitchFamily="49" charset="0"/>
               </a:rPr>
               <a:t> x=1,y=2,z=3;</a:t>
             </a:r>
             <a:br>
-              <a:rPr lang="en-US" dirty="0" smtClean="0">
+              <a:rPr lang="en-US" sz="2400" dirty="0" smtClean="0">
                 <a:latin typeface="Courier New" panose="02070309020205020404" pitchFamily="49" charset="0"/>
                 <a:cs typeface="Courier New" panose="02070309020205020404" pitchFamily="49" charset="0"/>
               </a:rPr>
             </a:br>
             <a:r>
-              <a:rPr lang="en-US" dirty="0" smtClean="0">
+              <a:rPr lang="en-US" sz="2400" dirty="0" smtClean="0">
                 <a:latin typeface="Courier New" panose="02070309020205020404" pitchFamily="49" charset="0"/>
                 <a:cs typeface="Courier New" panose="02070309020205020404" pitchFamily="49" charset="0"/>
               </a:rPr>
@@ -15842,68 +16120,68 @@
               <a:buNone/>
             </a:pPr>
             <a:r>
-              <a:rPr lang="en-US" dirty="0">
+              <a:rPr lang="en-US" sz="2400" dirty="0">
                 <a:latin typeface="Courier New" panose="02070309020205020404" pitchFamily="49" charset="0"/>
                 <a:cs typeface="Courier New" panose="02070309020205020404" pitchFamily="49" charset="0"/>
               </a:rPr>
               <a:t> </a:t>
             </a:r>
             <a:r>
-              <a:rPr lang="en-US" dirty="0" smtClean="0">
+              <a:rPr lang="en-US" sz="2400" dirty="0" smtClean="0">
                 <a:latin typeface="Courier New" panose="02070309020205020404" pitchFamily="49" charset="0"/>
                 <a:cs typeface="Courier New" panose="02070309020205020404" pitchFamily="49" charset="0"/>
               </a:rPr>
               <a:t>  add_1a(y);</a:t>
             </a:r>
             <a:br>
-              <a:rPr lang="en-US" dirty="0" smtClean="0">
+              <a:rPr lang="en-US" sz="2400" dirty="0" smtClean="0">
                 <a:latin typeface="Courier New" panose="02070309020205020404" pitchFamily="49" charset="0"/>
                 <a:cs typeface="Courier New" panose="02070309020205020404" pitchFamily="49" charset="0"/>
               </a:rPr>
             </a:br>
             <a:r>
-              <a:rPr lang="en-US" dirty="0" smtClean="0">
+              <a:rPr lang="en-US" sz="2400" dirty="0" smtClean="0">
                 <a:latin typeface="Courier New" panose="02070309020205020404" pitchFamily="49" charset="0"/>
                 <a:cs typeface="Courier New" panose="02070309020205020404" pitchFamily="49" charset="0"/>
               </a:rPr>
               <a:t>   add_1a(z);</a:t>
             </a:r>
             <a:br>
-              <a:rPr lang="en-US" dirty="0" smtClean="0">
+              <a:rPr lang="en-US" sz="2400" dirty="0" smtClean="0">
                 <a:latin typeface="Courier New" panose="02070309020205020404" pitchFamily="49" charset="0"/>
                 <a:cs typeface="Courier New" panose="02070309020205020404" pitchFamily="49" charset="0"/>
               </a:rPr>
             </a:br>
             <a:r>
-              <a:rPr lang="en-US" dirty="0" smtClean="0">
+              <a:rPr lang="en-US" sz="2400" dirty="0" smtClean="0">
                 <a:latin typeface="Courier New" panose="02070309020205020404" pitchFamily="49" charset="0"/>
                 <a:cs typeface="Courier New" panose="02070309020205020404" pitchFamily="49" charset="0"/>
               </a:rPr>
               <a:t>   </a:t>
             </a:r>
             <a:r>
-              <a:rPr lang="en-US" dirty="0" err="1" smtClean="0">
+              <a:rPr lang="en-US" sz="2400" dirty="0" err="1" smtClean="0">
                 <a:latin typeface="Courier New" panose="02070309020205020404" pitchFamily="49" charset="0"/>
                 <a:cs typeface="Courier New" panose="02070309020205020404" pitchFamily="49" charset="0"/>
               </a:rPr>
               <a:t>printf</a:t>
             </a:r>
             <a:r>
-              <a:rPr lang="en-US" dirty="0" smtClean="0">
-                <a:latin typeface="Courier New" panose="02070309020205020404" pitchFamily="49" charset="0"/>
-                <a:cs typeface="Courier New" panose="02070309020205020404" pitchFamily="49" charset="0"/>
-              </a:rPr>
-              <a:t>(“%</a:t>
-            </a:r>
-            <a:r>
-              <a:rPr lang="en-US" dirty="0" err="1" smtClean="0">
-                <a:latin typeface="Courier New" panose="02070309020205020404" pitchFamily="49" charset="0"/>
-                <a:cs typeface="Courier New" panose="02070309020205020404" pitchFamily="49" charset="0"/>
-              </a:rPr>
-              <a:t>d%d%d,x,y,z</a:t>
-            </a:r>
-            <a:r>
-              <a:rPr lang="en-US" dirty="0" smtClean="0">
+              <a:rPr lang="en-US" sz="2400" dirty="0" smtClean="0">
+                <a:latin typeface="Courier New" panose="02070309020205020404" pitchFamily="49" charset="0"/>
+                <a:cs typeface="Courier New" panose="02070309020205020404" pitchFamily="49" charset="0"/>
+              </a:rPr>
+              <a:t>(“%d %d %d”, </a:t>
+            </a:r>
+            <a:r>
+              <a:rPr lang="en-US" sz="2400" dirty="0" err="1" smtClean="0">
+                <a:latin typeface="Courier New" panose="02070309020205020404" pitchFamily="49" charset="0"/>
+                <a:cs typeface="Courier New" panose="02070309020205020404" pitchFamily="49" charset="0"/>
+              </a:rPr>
+              <a:t>x,y,z</a:t>
+            </a:r>
+            <a:r>
+              <a:rPr lang="en-US" sz="2400" dirty="0" smtClean="0">
                 <a:latin typeface="Courier New" panose="02070309020205020404" pitchFamily="49" charset="0"/>
                 <a:cs typeface="Courier New" panose="02070309020205020404" pitchFamily="49" charset="0"/>
               </a:rPr>
@@ -16127,6 +16405,9 @@
             </a:r>
             <a:r>
               <a:rPr lang="en-US" dirty="0" err="1" smtClean="0">
+                <a:solidFill>
+                  <a:srgbClr val="FF0000"/>
+                </a:solidFill>
                 <a:latin typeface="Courier New" panose="02070309020205020404" pitchFamily="49" charset="0"/>
                 <a:cs typeface="Courier New" panose="02070309020205020404" pitchFamily="49" charset="0"/>
               </a:rPr>
@@ -16134,10 +16415,27 @@
             </a:r>
             <a:r>
               <a:rPr lang="en-US" dirty="0" smtClean="0">
-                <a:latin typeface="Courier New" panose="02070309020205020404" pitchFamily="49" charset="0"/>
-                <a:cs typeface="Courier New" panose="02070309020205020404" pitchFamily="49" charset="0"/>
-              </a:rPr>
-              <a:t> * x) {</a:t>
+                <a:solidFill>
+                  <a:srgbClr val="FF0000"/>
+                </a:solidFill>
+                <a:latin typeface="Courier New" panose="02070309020205020404" pitchFamily="49" charset="0"/>
+                <a:cs typeface="Courier New" panose="02070309020205020404" pitchFamily="49" charset="0"/>
+              </a:rPr>
+              <a:t> * </a:t>
+            </a:r>
+            <a:r>
+              <a:rPr lang="en-US" dirty="0">
+                <a:latin typeface="Courier New" panose="02070309020205020404" pitchFamily="49" charset="0"/>
+                <a:cs typeface="Courier New" panose="02070309020205020404" pitchFamily="49" charset="0"/>
+              </a:rPr>
+              <a:t>p</a:t>
+            </a:r>
+            <a:r>
+              <a:rPr lang="en-US" dirty="0" smtClean="0">
+                <a:latin typeface="Courier New" panose="02070309020205020404" pitchFamily="49" charset="0"/>
+                <a:cs typeface="Courier New" panose="02070309020205020404" pitchFamily="49" charset="0"/>
+              </a:rPr>
+              <a:t>) {</a:t>
             </a:r>
             <a:br>
               <a:rPr lang="en-US" dirty="0" smtClean="0">
@@ -16150,7 +16448,7 @@
                 <a:latin typeface="Courier New" panose="02070309020205020404" pitchFamily="49" charset="0"/>
                 <a:cs typeface="Courier New" panose="02070309020205020404" pitchFamily="49" charset="0"/>
               </a:rPr>
-              <a:t>    *x = *x + 1;</a:t>
+              <a:t>    *p = *p + 1;</a:t>
             </a:r>
             <a:br>
               <a:rPr lang="en-US" dirty="0" smtClean="0">
@@ -16185,34 +16483,34 @@
               </a:rPr>
             </a:br>
             <a:r>
-              <a:rPr lang="en-US" dirty="0" smtClean="0">
+              <a:rPr lang="en-US" sz="2400" dirty="0" smtClean="0">
                 <a:latin typeface="Courier New" panose="02070309020205020404" pitchFamily="49" charset="0"/>
                 <a:cs typeface="Courier New" panose="02070309020205020404" pitchFamily="49" charset="0"/>
               </a:rPr>
               <a:t>   </a:t>
             </a:r>
             <a:r>
-              <a:rPr lang="en-US" dirty="0" err="1" smtClean="0">
+              <a:rPr lang="en-US" sz="2400" dirty="0" err="1" smtClean="0">
                 <a:latin typeface="Courier New" panose="02070309020205020404" pitchFamily="49" charset="0"/>
                 <a:cs typeface="Courier New" panose="02070309020205020404" pitchFamily="49" charset="0"/>
               </a:rPr>
               <a:t>int</a:t>
             </a:r>
             <a:r>
-              <a:rPr lang="en-US" dirty="0" smtClean="0">
+              <a:rPr lang="en-US" sz="2400" dirty="0" smtClean="0">
                 <a:latin typeface="Courier New" panose="02070309020205020404" pitchFamily="49" charset="0"/>
                 <a:cs typeface="Courier New" panose="02070309020205020404" pitchFamily="49" charset="0"/>
               </a:rPr>
               <a:t> x=1,y=2,z=3;</a:t>
             </a:r>
             <a:br>
-              <a:rPr lang="en-US" dirty="0" smtClean="0">
+              <a:rPr lang="en-US" sz="2400" dirty="0" smtClean="0">
                 <a:latin typeface="Courier New" panose="02070309020205020404" pitchFamily="49" charset="0"/>
                 <a:cs typeface="Courier New" panose="02070309020205020404" pitchFamily="49" charset="0"/>
               </a:rPr>
             </a:br>
             <a:r>
-              <a:rPr lang="en-US" dirty="0" smtClean="0">
+              <a:rPr lang="en-US" sz="2400" dirty="0" smtClean="0">
                 <a:latin typeface="Courier New" panose="02070309020205020404" pitchFamily="49" charset="0"/>
                 <a:cs typeface="Courier New" panose="02070309020205020404" pitchFamily="49" charset="0"/>
               </a:rPr>
@@ -16225,61 +16523,61 @@
               <a:buNone/>
             </a:pPr>
             <a:r>
-              <a:rPr lang="en-US" dirty="0" smtClean="0">
+              <a:rPr lang="en-US" sz="2400" dirty="0" smtClean="0">
                 <a:latin typeface="Courier New" panose="02070309020205020404" pitchFamily="49" charset="0"/>
                 <a:cs typeface="Courier New" panose="02070309020205020404" pitchFamily="49" charset="0"/>
               </a:rPr>
               <a:t>   add_1b(&amp;y);</a:t>
             </a:r>
             <a:br>
-              <a:rPr lang="en-US" dirty="0" smtClean="0">
+              <a:rPr lang="en-US" sz="2400" dirty="0" smtClean="0">
                 <a:latin typeface="Courier New" panose="02070309020205020404" pitchFamily="49" charset="0"/>
                 <a:cs typeface="Courier New" panose="02070309020205020404" pitchFamily="49" charset="0"/>
               </a:rPr>
             </a:br>
             <a:r>
-              <a:rPr lang="en-US" dirty="0" smtClean="0">
+              <a:rPr lang="en-US" sz="2400" dirty="0" smtClean="0">
                 <a:latin typeface="Courier New" panose="02070309020205020404" pitchFamily="49" charset="0"/>
                 <a:cs typeface="Courier New" panose="02070309020205020404" pitchFamily="49" charset="0"/>
               </a:rPr>
               <a:t>   add_1b(&amp;z);</a:t>
             </a:r>
             <a:br>
-              <a:rPr lang="en-US" dirty="0" smtClean="0">
+              <a:rPr lang="en-US" sz="2400" dirty="0" smtClean="0">
                 <a:latin typeface="Courier New" panose="02070309020205020404" pitchFamily="49" charset="0"/>
                 <a:cs typeface="Courier New" panose="02070309020205020404" pitchFamily="49" charset="0"/>
               </a:rPr>
             </a:br>
             <a:r>
-              <a:rPr lang="en-US" dirty="0" smtClean="0">
+              <a:rPr lang="en-US" sz="2400" dirty="0" smtClean="0">
                 <a:latin typeface="Courier New" panose="02070309020205020404" pitchFamily="49" charset="0"/>
                 <a:cs typeface="Courier New" panose="02070309020205020404" pitchFamily="49" charset="0"/>
               </a:rPr>
               <a:t>   </a:t>
             </a:r>
             <a:r>
-              <a:rPr lang="en-US" dirty="0" err="1" smtClean="0">
+              <a:rPr lang="en-US" sz="2400" dirty="0" err="1" smtClean="0">
                 <a:latin typeface="Courier New" panose="02070309020205020404" pitchFamily="49" charset="0"/>
                 <a:cs typeface="Courier New" panose="02070309020205020404" pitchFamily="49" charset="0"/>
               </a:rPr>
               <a:t>printf</a:t>
             </a:r>
             <a:r>
-              <a:rPr lang="en-US" dirty="0" smtClean="0">
-                <a:latin typeface="Courier New" panose="02070309020205020404" pitchFamily="49" charset="0"/>
-                <a:cs typeface="Courier New" panose="02070309020205020404" pitchFamily="49" charset="0"/>
-              </a:rPr>
-              <a:t>(“%</a:t>
-            </a:r>
-            <a:r>
-              <a:rPr lang="en-US" dirty="0" err="1" smtClean="0">
-                <a:latin typeface="Courier New" panose="02070309020205020404" pitchFamily="49" charset="0"/>
-                <a:cs typeface="Courier New" panose="02070309020205020404" pitchFamily="49" charset="0"/>
-              </a:rPr>
-              <a:t>d%d%d,x,y,z</a:t>
-            </a:r>
-            <a:r>
-              <a:rPr lang="en-US" dirty="0" smtClean="0">
+              <a:rPr lang="en-US" sz="2400" dirty="0" smtClean="0">
+                <a:latin typeface="Courier New" panose="02070309020205020404" pitchFamily="49" charset="0"/>
+                <a:cs typeface="Courier New" panose="02070309020205020404" pitchFamily="49" charset="0"/>
+              </a:rPr>
+              <a:t>(“%d %d %d”, </a:t>
+            </a:r>
+            <a:r>
+              <a:rPr lang="en-US" sz="2400" dirty="0" err="1" smtClean="0">
+                <a:latin typeface="Courier New" panose="02070309020205020404" pitchFamily="49" charset="0"/>
+                <a:cs typeface="Courier New" panose="02070309020205020404" pitchFamily="49" charset="0"/>
+              </a:rPr>
+              <a:t>x,y,z</a:t>
+            </a:r>
+            <a:r>
+              <a:rPr lang="en-US" sz="2400" dirty="0" smtClean="0">
                 <a:latin typeface="Courier New" panose="02070309020205020404" pitchFamily="49" charset="0"/>
                 <a:cs typeface="Courier New" panose="02070309020205020404" pitchFamily="49" charset="0"/>
               </a:rPr>
@@ -16336,6 +16634,228 @@
           </a:fontRef>
         </p:style>
       </p:cxnSp>
+      <p:cxnSp>
+        <p:nvCxnSpPr>
+          <p:cNvPr id="9" name="Straight Connector 8"/>
+          <p:cNvCxnSpPr/>
+          <p:nvPr/>
+        </p:nvCxnSpPr>
+        <p:spPr>
+          <a:xfrm>
+            <a:off x="174290" y="3055257"/>
+            <a:ext cx="5108910" cy="0"/>
+          </a:xfrm>
+          <a:prstGeom prst="line">
+            <a:avLst/>
+          </a:prstGeom>
+        </p:spPr>
+        <p:style>
+          <a:lnRef idx="1">
+            <a:schemeClr val="accent1"/>
+          </a:lnRef>
+          <a:fillRef idx="0">
+            <a:schemeClr val="accent1"/>
+          </a:fillRef>
+          <a:effectRef idx="0">
+            <a:schemeClr val="accent1"/>
+          </a:effectRef>
+          <a:fontRef idx="minor">
+            <a:schemeClr val="tx1"/>
+          </a:fontRef>
+        </p:style>
+      </p:cxnSp>
+      <p:sp>
+        <p:nvSpPr>
+          <p:cNvPr id="4" name="Rectangular Callout 3"/>
+          <p:cNvSpPr/>
+          <p:nvPr/>
+        </p:nvSpPr>
+        <p:spPr>
+          <a:xfrm>
+            <a:off x="3690375" y="2569029"/>
+            <a:ext cx="2046515" cy="972456"/>
+          </a:xfrm>
+          <a:prstGeom prst="wedgeRectCallout">
+            <a:avLst>
+              <a:gd name="adj1" fmla="val -72831"/>
+              <a:gd name="adj2" fmla="val -60283"/>
+            </a:avLst>
+          </a:prstGeom>
+          <a:solidFill>
+            <a:srgbClr val="FFFF00"/>
+          </a:solidFill>
+          <a:ln>
+            <a:noFill/>
+          </a:ln>
+        </p:spPr>
+        <p:style>
+          <a:lnRef idx="2">
+            <a:schemeClr val="accent1">
+              <a:shade val="50000"/>
+            </a:schemeClr>
+          </a:lnRef>
+          <a:fillRef idx="1">
+            <a:schemeClr val="accent1"/>
+          </a:fillRef>
+          <a:effectRef idx="0">
+            <a:schemeClr val="accent1"/>
+          </a:effectRef>
+          <a:fontRef idx="minor">
+            <a:schemeClr val="lt1"/>
+          </a:fontRef>
+        </p:style>
+        <p:txBody>
+          <a:bodyPr rtlCol="0" anchor="ctr"/>
+          <a:lstStyle/>
+          <a:p>
+            <a:pPr algn="ctr"/>
+            <a:r>
+              <a:rPr lang="en-US" dirty="0" smtClean="0">
+                <a:solidFill>
+                  <a:schemeClr val="tx1"/>
+                </a:solidFill>
+              </a:rPr>
+              <a:t>Updates a local variable only</a:t>
+            </a:r>
+            <a:endParaRPr lang="en-US" dirty="0">
+              <a:solidFill>
+                <a:schemeClr val="tx1"/>
+              </a:solidFill>
+            </a:endParaRPr>
+          </a:p>
+        </p:txBody>
+      </p:sp>
+      <p:cxnSp>
+        <p:nvCxnSpPr>
+          <p:cNvPr id="10" name="Straight Connector 9"/>
+          <p:cNvCxnSpPr/>
+          <p:nvPr/>
+        </p:nvCxnSpPr>
+        <p:spPr>
+          <a:xfrm>
+            <a:off x="6662776" y="3055256"/>
+            <a:ext cx="5108910" cy="0"/>
+          </a:xfrm>
+          <a:prstGeom prst="line">
+            <a:avLst/>
+          </a:prstGeom>
+        </p:spPr>
+        <p:style>
+          <a:lnRef idx="1">
+            <a:schemeClr val="accent1"/>
+          </a:lnRef>
+          <a:fillRef idx="0">
+            <a:schemeClr val="accent1"/>
+          </a:fillRef>
+          <a:effectRef idx="0">
+            <a:schemeClr val="accent1"/>
+          </a:effectRef>
+          <a:fontRef idx="minor">
+            <a:schemeClr val="tx1"/>
+          </a:fontRef>
+        </p:style>
+      </p:cxnSp>
+      <p:sp>
+        <p:nvSpPr>
+          <p:cNvPr id="8" name="Rectangular Callout 7"/>
+          <p:cNvSpPr/>
+          <p:nvPr/>
+        </p:nvSpPr>
+        <p:spPr>
+          <a:xfrm>
+            <a:off x="9985829" y="2706914"/>
+            <a:ext cx="2206171" cy="696686"/>
+          </a:xfrm>
+          <a:prstGeom prst="wedgeRectCallout">
+            <a:avLst>
+              <a:gd name="adj1" fmla="val -89852"/>
+              <a:gd name="adj2" fmla="val -52820"/>
+            </a:avLst>
+          </a:prstGeom>
+          <a:solidFill>
+            <a:srgbClr val="FFFF00"/>
+          </a:solidFill>
+          <a:ln>
+            <a:noFill/>
+          </a:ln>
+        </p:spPr>
+        <p:style>
+          <a:lnRef idx="2">
+            <a:schemeClr val="accent1">
+              <a:shade val="50000"/>
+            </a:schemeClr>
+          </a:lnRef>
+          <a:fillRef idx="1">
+            <a:schemeClr val="accent1"/>
+          </a:fillRef>
+          <a:effectRef idx="0">
+            <a:schemeClr val="accent1"/>
+          </a:effectRef>
+          <a:fontRef idx="minor">
+            <a:schemeClr val="lt1"/>
+          </a:fontRef>
+        </p:style>
+        <p:txBody>
+          <a:bodyPr rtlCol="0" anchor="ctr"/>
+          <a:lstStyle/>
+          <a:p>
+            <a:pPr algn="ctr"/>
+            <a:r>
+              <a:rPr lang="en-US" b="1" dirty="0" smtClean="0">
+                <a:solidFill>
+                  <a:schemeClr val="tx1"/>
+                </a:solidFill>
+              </a:rPr>
+              <a:t>Does not </a:t>
+            </a:r>
+            <a:r>
+              <a:rPr lang="en-US" dirty="0" smtClean="0">
+                <a:solidFill>
+                  <a:schemeClr val="tx1"/>
+                </a:solidFill>
+              </a:rPr>
+              <a:t>modify </a:t>
+            </a:r>
+            <a:r>
+              <a:rPr lang="en-US" dirty="0">
+                <a:solidFill>
+                  <a:schemeClr val="tx1"/>
+                </a:solidFill>
+              </a:rPr>
+              <a:t> </a:t>
+            </a:r>
+            <a:r>
+              <a:rPr lang="en-US" dirty="0" smtClean="0">
+                <a:solidFill>
+                  <a:schemeClr val="tx1"/>
+                </a:solidFill>
+              </a:rPr>
+              <a:t>p; instead  </a:t>
+            </a:r>
+            <a:r>
+              <a:rPr lang="en-US" b="1" dirty="0" smtClean="0">
+                <a:solidFill>
+                  <a:schemeClr val="tx1"/>
+                </a:solidFill>
+              </a:rPr>
+              <a:t>changes *p</a:t>
+            </a:r>
+            <a:r>
+              <a:rPr lang="en-US" dirty="0" smtClean="0">
+                <a:solidFill>
+                  <a:schemeClr val="tx1"/>
+                </a:solidFill>
+              </a:rPr>
+              <a:t>!</a:t>
+            </a:r>
+            <a:endParaRPr lang="en-US" dirty="0">
+              <a:solidFill>
+                <a:schemeClr val="tx1"/>
+              </a:solidFill>
+            </a:endParaRPr>
+          </a:p>
+        </p:txBody>
+      </p:sp>
     </p:spTree>
     <p:extLst>
       <p:ext uri="{BB962C8B-B14F-4D97-AF65-F5344CB8AC3E}">
@@ -16420,6 +16940,60 @@
                                   </p:childTnLst>
                                 </p:cTn>
                               </p:par>
+                              <p:par>
+                                <p:cTn id="9" presetID="1" presetClass="entr" presetSubtype="0" fill="hold" grpId="0" nodeType="withEffect">
+                                  <p:stCondLst>
+                                    <p:cond delay="0"/>
+                                  </p:stCondLst>
+                                  <p:childTnLst>
+                                    <p:set>
+                                      <p:cBhvr>
+                                        <p:cTn id="10" dur="1" fill="hold">
+                                          <p:stCondLst>
+                                            <p:cond delay="0"/>
+                                          </p:stCondLst>
+                                        </p:cTn>
+                                        <p:tgtEl>
+                                          <p:spTgt spid="8"/>
+                                        </p:tgtEl>
+                                        <p:attrNameLst>
+                                          <p:attrName>style.visibility</p:attrName>
+                                        </p:attrNameLst>
+                                      </p:cBhvr>
+                                      <p:to>
+                                        <p:strVal val="visible"/>
+                                      </p:to>
+                                    </p:set>
+                                  </p:childTnLst>
+                                </p:cTn>
+                              </p:par>
+                              <p:par>
+                                <p:cTn id="11" presetID="1" presetClass="entr" presetSubtype="0" fill="hold" nodeType="withEffect">
+                                  <p:stCondLst>
+                                    <p:cond delay="0"/>
+                                  </p:stCondLst>
+                                  <p:childTnLst>
+                                    <p:set>
+                                      <p:cBhvr>
+                                        <p:cTn id="12" dur="1" fill="hold">
+                                          <p:stCondLst>
+                                            <p:cond delay="0"/>
+                                          </p:stCondLst>
+                                        </p:cTn>
+                                        <p:tgtEl>
+                                          <p:spTgt spid="10"/>
+                                        </p:tgtEl>
+                                        <p:attrNameLst>
+                                          <p:attrName>style.visibility</p:attrName>
+                                        </p:attrNameLst>
+                                      </p:cBhvr>
+                                      <p:to>
+                                        <p:strVal val="visible"/>
+                                      </p:to>
+                                    </p:set>
+                                  </p:childTnLst>
+                                </p:cTn>
+                              </p:par>
                             </p:childTnLst>
                           </p:cTn>
                         </p:par>
@@ -16449,6 +17023,7 @@
     </p:tnLst>
     <p:bldLst>
       <p:bldP spid="5" grpId="0"/>
+      <p:bldP spid="8" grpId="0" animBg="1"/>
     </p:bldLst>
   </p:timing>
 </p:sld>
@@ -16703,7 +17278,7 @@
                 <a:latin typeface="Courier New" panose="02070309020205020404" pitchFamily="49" charset="0"/>
                 <a:cs typeface="Courier New" panose="02070309020205020404" pitchFamily="49" charset="0"/>
               </a:rPr>
-              <a:t> * x) {</a:t>
+              <a:t> * p) {</a:t>
             </a:r>
             <a:br>
               <a:rPr lang="en-US" dirty="0" smtClean="0">
@@ -16716,7 +17291,7 @@
                 <a:latin typeface="Courier New" panose="02070309020205020404" pitchFamily="49" charset="0"/>
                 <a:cs typeface="Courier New" panose="02070309020205020404" pitchFamily="49" charset="0"/>
               </a:rPr>
-              <a:t>    *x = *x + 1;</a:t>
+              <a:t>    *p = *p + 1;</a:t>
             </a:r>
             <a:br>
               <a:rPr lang="en-US" dirty="0" smtClean="0">
@@ -16850,7 +17425,7 @@
                 <a:latin typeface="Courier New" panose="02070309020205020404" pitchFamily="49" charset="0"/>
                 <a:cs typeface="Courier New" panose="02070309020205020404" pitchFamily="49" charset="0"/>
               </a:rPr>
-              <a:t>      add_1b(&amp;a[</a:t>
+              <a:t>      add_1c(&amp;a[</a:t>
             </a:r>
             <a:r>
               <a:rPr lang="en-US" dirty="0" err="1" smtClean="0">

--- a/slides/08-Pointers.pptx
+++ b/slides/08-Pointers.pptx
@@ -264,7 +264,7 @@
           <a:p>
             <a:fld id="{F83332AF-25CD-4F6A-A43B-D3F750BDAB3D}" type="datetimeFigureOut">
               <a:rPr lang="en-US" smtClean="0"/>
-              <a:t>9/22/2023</a:t>
+              <a:t>10/20/2023</a:t>
             </a:fld>
             <a:endParaRPr lang="en-US"/>
           </a:p>
@@ -434,7 +434,7 @@
           <a:p>
             <a:fld id="{F83332AF-25CD-4F6A-A43B-D3F750BDAB3D}" type="datetimeFigureOut">
               <a:rPr lang="en-US" smtClean="0"/>
-              <a:t>9/22/2023</a:t>
+              <a:t>10/20/2023</a:t>
             </a:fld>
             <a:endParaRPr lang="en-US"/>
           </a:p>
@@ -614,7 +614,7 @@
           <a:p>
             <a:fld id="{F83332AF-25CD-4F6A-A43B-D3F750BDAB3D}" type="datetimeFigureOut">
               <a:rPr lang="en-US" smtClean="0"/>
-              <a:t>9/22/2023</a:t>
+              <a:t>10/20/2023</a:t>
             </a:fld>
             <a:endParaRPr lang="en-US"/>
           </a:p>
@@ -784,7 +784,7 @@
           <a:p>
             <a:fld id="{F83332AF-25CD-4F6A-A43B-D3F750BDAB3D}" type="datetimeFigureOut">
               <a:rPr lang="en-US" smtClean="0"/>
-              <a:t>9/22/2023</a:t>
+              <a:t>10/20/2023</a:t>
             </a:fld>
             <a:endParaRPr lang="en-US"/>
           </a:p>
@@ -1030,7 +1030,7 @@
           <a:p>
             <a:fld id="{F83332AF-25CD-4F6A-A43B-D3F750BDAB3D}" type="datetimeFigureOut">
               <a:rPr lang="en-US" smtClean="0"/>
-              <a:t>9/22/2023</a:t>
+              <a:t>10/20/2023</a:t>
             </a:fld>
             <a:endParaRPr lang="en-US"/>
           </a:p>
@@ -1262,7 +1262,7 @@
           <a:p>
             <a:fld id="{F83332AF-25CD-4F6A-A43B-D3F750BDAB3D}" type="datetimeFigureOut">
               <a:rPr lang="en-US" smtClean="0"/>
-              <a:t>9/22/2023</a:t>
+              <a:t>10/20/2023</a:t>
             </a:fld>
             <a:endParaRPr lang="en-US"/>
           </a:p>
@@ -1629,7 +1629,7 @@
           <a:p>
             <a:fld id="{F83332AF-25CD-4F6A-A43B-D3F750BDAB3D}" type="datetimeFigureOut">
               <a:rPr lang="en-US" smtClean="0"/>
-              <a:t>9/22/2023</a:t>
+              <a:t>10/20/2023</a:t>
             </a:fld>
             <a:endParaRPr lang="en-US"/>
           </a:p>
@@ -1747,7 +1747,7 @@
           <a:p>
             <a:fld id="{F83332AF-25CD-4F6A-A43B-D3F750BDAB3D}" type="datetimeFigureOut">
               <a:rPr lang="en-US" smtClean="0"/>
-              <a:t>9/22/2023</a:t>
+              <a:t>10/20/2023</a:t>
             </a:fld>
             <a:endParaRPr lang="en-US"/>
           </a:p>
@@ -1842,7 +1842,7 @@
           <a:p>
             <a:fld id="{F83332AF-25CD-4F6A-A43B-D3F750BDAB3D}" type="datetimeFigureOut">
               <a:rPr lang="en-US" smtClean="0"/>
-              <a:t>9/22/2023</a:t>
+              <a:t>10/20/2023</a:t>
             </a:fld>
             <a:endParaRPr lang="en-US"/>
           </a:p>
@@ -2119,7 +2119,7 @@
           <a:p>
             <a:fld id="{F83332AF-25CD-4F6A-A43B-D3F750BDAB3D}" type="datetimeFigureOut">
               <a:rPr lang="en-US" smtClean="0"/>
-              <a:t>9/22/2023</a:t>
+              <a:t>10/20/2023</a:t>
             </a:fld>
             <a:endParaRPr lang="en-US"/>
           </a:p>
@@ -2372,7 +2372,7 @@
           <a:p>
             <a:fld id="{F83332AF-25CD-4F6A-A43B-D3F750BDAB3D}" type="datetimeFigureOut">
               <a:rPr lang="en-US" smtClean="0"/>
-              <a:t>9/22/2023</a:t>
+              <a:t>10/20/2023</a:t>
             </a:fld>
             <a:endParaRPr lang="en-US"/>
           </a:p>
@@ -2585,7 +2585,7 @@
           <a:p>
             <a:fld id="{F83332AF-25CD-4F6A-A43B-D3F750BDAB3D}" type="datetimeFigureOut">
               <a:rPr lang="en-US" smtClean="0"/>
-              <a:t>9/22/2023</a:t>
+              <a:t>10/20/2023</a:t>
             </a:fld>
             <a:endParaRPr lang="en-US"/>
           </a:p>
@@ -8117,14 +8117,11 @@
             </a:r>
             <a:r>
               <a:rPr lang="en-US" dirty="0" smtClean="0"/>
-              <a:t> bytes and gives you the pointer to the first of them.</a:t>
-            </a:r>
-          </a:p>
-          <a:p>
-            <a:pPr lvl="1"/>
+              <a:t> bytes and gives you the pointer to the first of them</a:t>
+            </a:r>
             <a:r>
               <a:rPr lang="en-US" dirty="0" smtClean="0"/>
-              <a:t>The return type needs to be cast for safety.</a:t>
+              <a:t>.</a:t>
             </a:r>
             <a:endParaRPr lang="en-US" dirty="0"/>
           </a:p>
@@ -8145,7 +8142,7 @@
         <p:spPr>
           <a:xfrm>
             <a:off x="6587197" y="2709795"/>
-            <a:ext cx="5561138" cy="1477328"/>
+            <a:ext cx="4458272" cy="1477328"/>
           </a:xfrm>
           <a:prstGeom prst="rect">
             <a:avLst/>
@@ -8200,6 +8197,33 @@
               <a:t> = </a:t>
             </a:r>
             <a:r>
+              <a:rPr lang="en-US" dirty="0" smtClean="0">
+                <a:latin typeface="Courier New" panose="02070309020205020404" pitchFamily="49" charset="0"/>
+                <a:cs typeface="Courier New" panose="02070309020205020404" pitchFamily="49" charset="0"/>
+              </a:rPr>
+              <a:t> </a:t>
+            </a:r>
+            <a:r>
+              <a:rPr lang="en-US" dirty="0" err="1" smtClean="0">
+                <a:solidFill>
+                  <a:srgbClr val="0070C0"/>
+                </a:solidFill>
+                <a:latin typeface="Courier New" panose="02070309020205020404" pitchFamily="49" charset="0"/>
+                <a:cs typeface="Courier New" panose="02070309020205020404" pitchFamily="49" charset="0"/>
+              </a:rPr>
+              <a:t>malloc</a:t>
+            </a:r>
+            <a:r>
+              <a:rPr lang="en-US" dirty="0" smtClean="0">
+                <a:solidFill>
+                  <a:srgbClr val="0070C0"/>
+                </a:solidFill>
+                <a:latin typeface="Courier New" panose="02070309020205020404" pitchFamily="49" charset="0"/>
+                <a:cs typeface="Courier New" panose="02070309020205020404" pitchFamily="49" charset="0"/>
+              </a:rPr>
+              <a:t>(100</a:t>
+            </a:r>
+            <a:r>
               <a:rPr lang="en-US" dirty="0">
                 <a:solidFill>
                   <a:srgbClr val="0070C0"/>
@@ -8207,27 +8231,7 @@
                 <a:latin typeface="Courier New" panose="02070309020205020404" pitchFamily="49" charset="0"/>
                 <a:cs typeface="Courier New" panose="02070309020205020404" pitchFamily="49" charset="0"/>
               </a:rPr>
-              <a:t>(char *) </a:t>
-            </a:r>
-            <a:r>
-              <a:rPr lang="en-US" dirty="0" err="1">
-                <a:solidFill>
-                  <a:srgbClr val="0070C0"/>
-                </a:solidFill>
-                <a:latin typeface="Courier New" panose="02070309020205020404" pitchFamily="49" charset="0"/>
-                <a:cs typeface="Courier New" panose="02070309020205020404" pitchFamily="49" charset="0"/>
-              </a:rPr>
-              <a:t>malloc</a:t>
-            </a:r>
-            <a:r>
-              <a:rPr lang="en-US" dirty="0">
-                <a:solidFill>
-                  <a:srgbClr val="0070C0"/>
-                </a:solidFill>
-                <a:latin typeface="Courier New" panose="02070309020205020404" pitchFamily="49" charset="0"/>
-                <a:cs typeface="Courier New" panose="02070309020205020404" pitchFamily="49" charset="0"/>
-              </a:rPr>
-              <a:t>(100);</a:t>
+              <a:t>);</a:t>
             </a:r>
           </a:p>
           <a:p>
@@ -8284,37 +8288,24 @@
                 <a:latin typeface="Courier New" panose="02070309020205020404" pitchFamily="49" charset="0"/>
                 <a:cs typeface="Courier New" panose="02070309020205020404" pitchFamily="49" charset="0"/>
               </a:rPr>
-              <a:t> = </a:t>
-            </a:r>
-            <a:r>
-              <a:rPr lang="en-US" dirty="0">
+              <a:t> </a:t>
+            </a:r>
+            <a:r>
+              <a:rPr lang="en-US" dirty="0" smtClean="0">
+                <a:latin typeface="Courier New" panose="02070309020205020404" pitchFamily="49" charset="0"/>
+                <a:cs typeface="Courier New" panose="02070309020205020404" pitchFamily="49" charset="0"/>
+              </a:rPr>
+              <a:t>=</a:t>
+            </a:r>
+            <a:r>
+              <a:rPr lang="en-US" dirty="0" smtClean="0">
                 <a:solidFill>
                   <a:srgbClr val="FF0000"/>
                 </a:solidFill>
                 <a:latin typeface="Courier New" panose="02070309020205020404" pitchFamily="49" charset="0"/>
                 <a:cs typeface="Courier New" panose="02070309020205020404" pitchFamily="49" charset="0"/>
               </a:rPr>
-              <a:t>(</a:t>
-            </a:r>
-            <a:r>
-              <a:rPr lang="en-US" dirty="0" err="1">
-                <a:solidFill>
-                  <a:srgbClr val="FF0000"/>
-                </a:solidFill>
-                <a:latin typeface="Courier New" panose="02070309020205020404" pitchFamily="49" charset="0"/>
-                <a:cs typeface="Courier New" panose="02070309020205020404" pitchFamily="49" charset="0"/>
-              </a:rPr>
-              <a:t>int</a:t>
-            </a:r>
-            <a:r>
-              <a:rPr lang="en-US" dirty="0">
-                <a:solidFill>
-                  <a:srgbClr val="FF0000"/>
-                </a:solidFill>
-                <a:latin typeface="Courier New" panose="02070309020205020404" pitchFamily="49" charset="0"/>
-                <a:cs typeface="Courier New" panose="02070309020205020404" pitchFamily="49" charset="0"/>
-              </a:rPr>
-              <a:t> *) </a:t>
+              <a:t> </a:t>
             </a:r>
             <a:r>
               <a:rPr lang="en-US" dirty="0" err="1">
@@ -9449,109 +9440,6 @@
           </p:style>
         </p:cxnSp>
       </p:grpSp>
-      <p:sp>
-        <p:nvSpPr>
-          <p:cNvPr id="41" name="Freeform 40"/>
-          <p:cNvSpPr/>
-          <p:nvPr/>
-        </p:nvSpPr>
-        <p:spPr>
-          <a:xfrm>
-            <a:off x="5369668" y="3813243"/>
-            <a:ext cx="2062264" cy="700391"/>
-          </a:xfrm>
-          <a:custGeom>
-            <a:avLst/>
-            <a:gdLst>
-              <a:gd name="connsiteX0" fmla="*/ 0 w 2062264"/>
-              <a:gd name="connsiteY0" fmla="*/ 700391 h 700391"/>
-              <a:gd name="connsiteX1" fmla="*/ 447473 w 2062264"/>
-              <a:gd name="connsiteY1" fmla="*/ 272374 h 700391"/>
-              <a:gd name="connsiteX2" fmla="*/ 1692613 w 2062264"/>
-              <a:gd name="connsiteY2" fmla="*/ 194553 h 700391"/>
-              <a:gd name="connsiteX3" fmla="*/ 2062264 w 2062264"/>
-              <a:gd name="connsiteY3" fmla="*/ 0 h 700391"/>
-            </a:gdLst>
-            <a:ahLst/>
-            <a:cxnLst>
-              <a:cxn ang="0">
-                <a:pos x="connsiteX0" y="connsiteY0"/>
-              </a:cxn>
-              <a:cxn ang="0">
-                <a:pos x="connsiteX1" y="connsiteY1"/>
-              </a:cxn>
-              <a:cxn ang="0">
-                <a:pos x="connsiteX2" y="connsiteY2"/>
-              </a:cxn>
-              <a:cxn ang="0">
-                <a:pos x="connsiteX3" y="connsiteY3"/>
-              </a:cxn>
-            </a:cxnLst>
-            <a:rect l="l" t="t" r="r" b="b"/>
-            <a:pathLst>
-              <a:path w="2062264" h="700391">
-                <a:moveTo>
-                  <a:pt x="0" y="700391"/>
-                </a:moveTo>
-                <a:cubicBezTo>
-                  <a:pt x="82685" y="528535"/>
-                  <a:pt x="165371" y="356680"/>
-                  <a:pt x="447473" y="272374"/>
-                </a:cubicBezTo>
-                <a:cubicBezTo>
-                  <a:pt x="729575" y="188068"/>
-                  <a:pt x="1423481" y="239949"/>
-                  <a:pt x="1692613" y="194553"/>
-                </a:cubicBezTo>
-                <a:cubicBezTo>
-                  <a:pt x="1961745" y="149157"/>
-                  <a:pt x="2012004" y="74578"/>
-                  <a:pt x="2062264" y="0"/>
-                </a:cubicBezTo>
-              </a:path>
-            </a:pathLst>
-          </a:custGeom>
-          <a:noFill/>
-          <a:ln>
-            <a:solidFill>
-              <a:schemeClr val="tx1"/>
-            </a:solidFill>
-            <a:prstDash val="dash"/>
-          </a:ln>
-          <a:effectLst>
-            <a:glow rad="63500">
-              <a:schemeClr val="accent4">
-                <a:satMod val="175000"/>
-                <a:alpha val="40000"/>
-              </a:schemeClr>
-            </a:glow>
-          </a:effectLst>
-        </p:spPr>
-        <p:style>
-          <a:lnRef idx="2">
-            <a:schemeClr val="accent1">
-              <a:shade val="50000"/>
-            </a:schemeClr>
-          </a:lnRef>
-          <a:fillRef idx="1">
-            <a:schemeClr val="accent1"/>
-          </a:fillRef>
-          <a:effectRef idx="0">
-            <a:schemeClr val="accent1"/>
-          </a:effectRef>
-          <a:fontRef idx="minor">
-            <a:schemeClr val="lt1"/>
-          </a:fontRef>
-        </p:style>
-        <p:txBody>
-          <a:bodyPr rtlCol="0" anchor="ctr"/>
-          <a:lstStyle/>
-          <a:p>
-            <a:pPr algn="ctr"/>
-            <a:endParaRPr lang="en-US"/>
-          </a:p>
-        </p:txBody>
-      </p:sp>
     </p:spTree>
     <p:extLst>
       <p:ext uri="{BB962C8B-B14F-4D97-AF65-F5344CB8AC3E}">
@@ -9598,7 +9486,7 @@
                                         <p:tgtEl>
                                           <p:spTgt spid="3">
                                             <p:txEl>
-                                              <p:pRg st="4" end="4"/>
+                                              <p:pRg st="3" end="3"/>
                                             </p:txEl>
                                           </p:spTgt>
                                         </p:tgtEl>
@@ -9799,51 +9687,6 @@
                       </p:childTnLst>
                     </p:cTn>
                   </p:par>
-                  <p:par>
-                    <p:cTn id="23" fill="hold">
-                      <p:stCondLst>
-                        <p:cond delay="indefinite"/>
-                      </p:stCondLst>
-                      <p:childTnLst>
-                        <p:par>
-                          <p:cTn id="24" fill="hold">
-                            <p:stCondLst>
-                              <p:cond delay="0"/>
-                            </p:stCondLst>
-                            <p:childTnLst>
-                              <p:par>
-                                <p:cTn id="25" presetID="1" presetClass="entr" presetSubtype="0" fill="hold" grpId="0" nodeType="clickEffect">
-                                  <p:stCondLst>
-                                    <p:cond delay="0"/>
-                                  </p:stCondLst>
-                                  <p:childTnLst>
-                                    <p:set>
-                                      <p:cBhvr>
-                                        <p:cTn id="26" dur="1" fill="hold">
-                                          <p:stCondLst>
-                                            <p:cond delay="0"/>
-                                          </p:stCondLst>
-                                        </p:cTn>
-                                        <p:tgtEl>
-                                          <p:spTgt spid="41"/>
-                                        </p:tgtEl>
-                                        <p:attrNameLst>
-                                          <p:attrName>style.visibility</p:attrName>
-                                        </p:attrNameLst>
-                                      </p:cBhvr>
-                                      <p:to>
-                                        <p:strVal val="visible"/>
-                                      </p:to>
-                                    </p:set>
-                                  </p:childTnLst>
-                                </p:cTn>
-                              </p:par>
-                            </p:childTnLst>
-                          </p:cTn>
-                        </p:par>
-                      </p:childTnLst>
-                    </p:cTn>
-                  </p:par>
                 </p:childTnLst>
               </p:cTn>
               <p:prevCondLst>
@@ -9868,7 +9711,6 @@
     <p:bldLst>
       <p:bldP spid="4" grpId="0"/>
       <p:bldP spid="6" grpId="0"/>
-      <p:bldP spid="41" grpId="0" animBg="1"/>
     </p:bldLst>
   </p:timing>
 </p:sld>
@@ -9940,7 +9782,9 @@
         </p:nvSpPr>
         <p:spPr/>
         <p:txBody>
-          <a:bodyPr/>
+          <a:bodyPr>
+            <a:normAutofit fontScale="85000" lnSpcReduction="20000"/>
+          </a:bodyPr>
           <a:lstStyle/>
           <a:p>
             <a:r>
@@ -9967,8 +9811,302 @@
             </a:r>
             <a:r>
               <a:rPr lang="en-US" dirty="0" smtClean="0"/>
-              <a:t>d.</a:t>
-            </a:r>
+              <a:t>d</a:t>
+            </a:r>
+            <a:r>
+              <a:rPr lang="en-US" dirty="0" smtClean="0"/>
+              <a:t>.</a:t>
+            </a:r>
+          </a:p>
+          <a:p>
+            <a:pPr marL="0" indent="0">
+              <a:buNone/>
+            </a:pPr>
+            <a:endParaRPr lang="en-US" sz="2400" dirty="0">
+              <a:latin typeface="Courier New" panose="02070309020205020404" pitchFamily="49" charset="0"/>
+              <a:cs typeface="Courier New" panose="02070309020205020404" pitchFamily="49" charset="0"/>
+            </a:endParaRPr>
+          </a:p>
+          <a:p>
+            <a:pPr marL="0" indent="0">
+              <a:buNone/>
+            </a:pPr>
+            <a:r>
+              <a:rPr lang="en-US" sz="2400" dirty="0" smtClean="0">
+                <a:latin typeface="Courier New" panose="02070309020205020404" pitchFamily="49" charset="0"/>
+                <a:cs typeface="Courier New" panose="02070309020205020404" pitchFamily="49" charset="0"/>
+              </a:rPr>
+              <a:t>void main(){</a:t>
+            </a:r>
+            <a:br>
+              <a:rPr lang="en-US" sz="2400" dirty="0" smtClean="0">
+                <a:latin typeface="Courier New" panose="02070309020205020404" pitchFamily="49" charset="0"/>
+                <a:cs typeface="Courier New" panose="02070309020205020404" pitchFamily="49" charset="0"/>
+              </a:rPr>
+            </a:br>
+            <a:r>
+              <a:rPr lang="en-US" sz="2400" dirty="0" smtClean="0">
+                <a:latin typeface="Courier New" panose="02070309020205020404" pitchFamily="49" charset="0"/>
+                <a:cs typeface="Courier New" panose="02070309020205020404" pitchFamily="49" charset="0"/>
+              </a:rPr>
+              <a:t>   </a:t>
+            </a:r>
+            <a:r>
+              <a:rPr lang="en-US" sz="2400" dirty="0" err="1" smtClean="0">
+                <a:latin typeface="Courier New" panose="02070309020205020404" pitchFamily="49" charset="0"/>
+                <a:cs typeface="Courier New" panose="02070309020205020404" pitchFamily="49" charset="0"/>
+              </a:rPr>
+              <a:t>int</a:t>
+            </a:r>
+            <a:r>
+              <a:rPr lang="en-US" sz="2400" dirty="0" smtClean="0">
+                <a:latin typeface="Courier New" panose="02070309020205020404" pitchFamily="49" charset="0"/>
+                <a:cs typeface="Courier New" panose="02070309020205020404" pitchFamily="49" charset="0"/>
+              </a:rPr>
+              <a:t> *p;</a:t>
+            </a:r>
+            <a:br>
+              <a:rPr lang="en-US" sz="2400" dirty="0" smtClean="0">
+                <a:latin typeface="Courier New" panose="02070309020205020404" pitchFamily="49" charset="0"/>
+                <a:cs typeface="Courier New" panose="02070309020205020404" pitchFamily="49" charset="0"/>
+              </a:rPr>
+            </a:br>
+            <a:r>
+              <a:rPr lang="en-US" sz="2400" dirty="0" smtClean="0">
+                <a:latin typeface="Courier New" panose="02070309020205020404" pitchFamily="49" charset="0"/>
+                <a:cs typeface="Courier New" panose="02070309020205020404" pitchFamily="49" charset="0"/>
+              </a:rPr>
+              <a:t>   </a:t>
+            </a:r>
+            <a:br>
+              <a:rPr lang="en-US" sz="2400" dirty="0" smtClean="0">
+                <a:latin typeface="Courier New" panose="02070309020205020404" pitchFamily="49" charset="0"/>
+                <a:cs typeface="Courier New" panose="02070309020205020404" pitchFamily="49" charset="0"/>
+              </a:rPr>
+            </a:br>
+            <a:r>
+              <a:rPr lang="en-US" sz="2400" dirty="0" smtClean="0">
+                <a:latin typeface="Courier New" panose="02070309020205020404" pitchFamily="49" charset="0"/>
+                <a:cs typeface="Courier New" panose="02070309020205020404" pitchFamily="49" charset="0"/>
+              </a:rPr>
+              <a:t>   </a:t>
+            </a:r>
+            <a:r>
+              <a:rPr lang="en-US" sz="2400" b="1" dirty="0" smtClean="0">
+                <a:latin typeface="Courier New" panose="02070309020205020404" pitchFamily="49" charset="0"/>
+                <a:cs typeface="Courier New" panose="02070309020205020404" pitchFamily="49" charset="0"/>
+              </a:rPr>
+              <a:t>p = </a:t>
+            </a:r>
+            <a:r>
+              <a:rPr lang="en-US" sz="2400" b="1" dirty="0" err="1" smtClean="0">
+                <a:latin typeface="Courier New" panose="02070309020205020404" pitchFamily="49" charset="0"/>
+                <a:cs typeface="Courier New" panose="02070309020205020404" pitchFamily="49" charset="0"/>
+              </a:rPr>
+              <a:t>malloc</a:t>
+            </a:r>
+            <a:r>
+              <a:rPr lang="en-US" sz="2400" dirty="0" smtClean="0">
+                <a:latin typeface="Courier New" panose="02070309020205020404" pitchFamily="49" charset="0"/>
+                <a:cs typeface="Courier New" panose="02070309020205020404" pitchFamily="49" charset="0"/>
+              </a:rPr>
+              <a:t> ( 10 * </a:t>
+            </a:r>
+            <a:r>
+              <a:rPr lang="en-US" sz="2400" dirty="0" err="1" smtClean="0">
+                <a:latin typeface="Courier New" panose="02070309020205020404" pitchFamily="49" charset="0"/>
+                <a:cs typeface="Courier New" panose="02070309020205020404" pitchFamily="49" charset="0"/>
+              </a:rPr>
+              <a:t>sizeof</a:t>
+            </a:r>
+            <a:r>
+              <a:rPr lang="en-US" sz="2400" dirty="0" smtClean="0">
+                <a:latin typeface="Courier New" panose="02070309020205020404" pitchFamily="49" charset="0"/>
+                <a:cs typeface="Courier New" panose="02070309020205020404" pitchFamily="49" charset="0"/>
+              </a:rPr>
+              <a:t>(</a:t>
+            </a:r>
+            <a:r>
+              <a:rPr lang="en-US" sz="2400" dirty="0" err="1" smtClean="0">
+                <a:latin typeface="Courier New" panose="02070309020205020404" pitchFamily="49" charset="0"/>
+                <a:cs typeface="Courier New" panose="02070309020205020404" pitchFamily="49" charset="0"/>
+              </a:rPr>
+              <a:t>int</a:t>
+            </a:r>
+            <a:r>
+              <a:rPr lang="en-US" sz="2400" dirty="0" smtClean="0">
+                <a:latin typeface="Courier New" panose="02070309020205020404" pitchFamily="49" charset="0"/>
+                <a:cs typeface="Courier New" panose="02070309020205020404" pitchFamily="49" charset="0"/>
+              </a:rPr>
+              <a:t>) ); </a:t>
+            </a:r>
+            <a:r>
+              <a:rPr lang="en-US" dirty="0" smtClean="0">
+                <a:latin typeface="Gabriola" panose="04040605051002020D02" pitchFamily="82" charset="0"/>
+                <a:cs typeface="Courier New" panose="02070309020205020404" pitchFamily="49" charset="0"/>
+              </a:rPr>
+              <a:t>// allocate an 100 </a:t>
+            </a:r>
+            <a:r>
+              <a:rPr lang="en-US" dirty="0">
+                <a:latin typeface="Gabriola" panose="04040605051002020D02" pitchFamily="82" charset="0"/>
+                <a:cs typeface="Courier New" panose="02070309020205020404" pitchFamily="49" charset="0"/>
+              </a:rPr>
+              <a:t>element array</a:t>
+            </a:r>
+            <a:r>
+              <a:rPr lang="en-US" sz="2400" dirty="0" smtClean="0">
+                <a:latin typeface="Courier New" panose="02070309020205020404" pitchFamily="49" charset="0"/>
+                <a:cs typeface="Courier New" panose="02070309020205020404" pitchFamily="49" charset="0"/>
+              </a:rPr>
+              <a:t/>
+            </a:r>
+            <a:br>
+              <a:rPr lang="en-US" sz="2400" dirty="0" smtClean="0">
+                <a:latin typeface="Courier New" panose="02070309020205020404" pitchFamily="49" charset="0"/>
+                <a:cs typeface="Courier New" panose="02070309020205020404" pitchFamily="49" charset="0"/>
+              </a:rPr>
+            </a:br>
+            <a:r>
+              <a:rPr lang="en-US" sz="2400" dirty="0" smtClean="0">
+                <a:latin typeface="Courier New" panose="02070309020205020404" pitchFamily="49" charset="0"/>
+                <a:cs typeface="Courier New" panose="02070309020205020404" pitchFamily="49" charset="0"/>
+              </a:rPr>
+              <a:t>   ..</a:t>
+            </a:r>
+          </a:p>
+          <a:p>
+            <a:pPr marL="0" indent="0">
+              <a:buNone/>
+            </a:pPr>
+            <a:r>
+              <a:rPr lang="en-US" sz="2400" dirty="0">
+                <a:latin typeface="Courier New" panose="02070309020205020404" pitchFamily="49" charset="0"/>
+                <a:cs typeface="Courier New" panose="02070309020205020404" pitchFamily="49" charset="0"/>
+              </a:rPr>
+              <a:t> </a:t>
+            </a:r>
+            <a:r>
+              <a:rPr lang="en-US" sz="2400" dirty="0" smtClean="0">
+                <a:latin typeface="Courier New" panose="02070309020205020404" pitchFamily="49" charset="0"/>
+                <a:cs typeface="Courier New" panose="02070309020205020404" pitchFamily="49" charset="0"/>
+              </a:rPr>
+              <a:t>  ..</a:t>
+            </a:r>
+          </a:p>
+          <a:p>
+            <a:pPr marL="0" indent="0">
+              <a:buNone/>
+            </a:pPr>
+            <a:r>
+              <a:rPr lang="en-US" sz="2400" dirty="0">
+                <a:latin typeface="Courier New" panose="02070309020205020404" pitchFamily="49" charset="0"/>
+                <a:cs typeface="Courier New" panose="02070309020205020404" pitchFamily="49" charset="0"/>
+              </a:rPr>
+              <a:t> </a:t>
+            </a:r>
+            <a:r>
+              <a:rPr lang="en-US" sz="2400" dirty="0" smtClean="0">
+                <a:latin typeface="Courier New" panose="02070309020205020404" pitchFamily="49" charset="0"/>
+                <a:cs typeface="Courier New" panose="02070309020205020404" pitchFamily="49" charset="0"/>
+              </a:rPr>
+              <a:t> </a:t>
+            </a:r>
+            <a:r>
+              <a:rPr lang="en-US" sz="2400" b="1" dirty="0" smtClean="0">
+                <a:latin typeface="Courier New" panose="02070309020205020404" pitchFamily="49" charset="0"/>
+                <a:cs typeface="Courier New" panose="02070309020205020404" pitchFamily="49" charset="0"/>
+              </a:rPr>
+              <a:t>free(p)</a:t>
+            </a:r>
+            <a:r>
+              <a:rPr lang="en-US" sz="2400" dirty="0" smtClean="0">
+                <a:latin typeface="Courier New" panose="02070309020205020404" pitchFamily="49" charset="0"/>
+                <a:cs typeface="Courier New" panose="02070309020205020404" pitchFamily="49" charset="0"/>
+              </a:rPr>
+              <a:t>;   </a:t>
+            </a:r>
+            <a:r>
+              <a:rPr lang="en-US" dirty="0">
+                <a:latin typeface="Gabriola" panose="04040605051002020D02" pitchFamily="82" charset="0"/>
+                <a:cs typeface="Courier New" panose="02070309020205020404" pitchFamily="49" charset="0"/>
+              </a:rPr>
+              <a:t>// free up the used area once you don’t need it.</a:t>
+            </a:r>
+          </a:p>
+          <a:p>
+            <a:pPr marL="0" indent="0">
+              <a:buNone/>
+            </a:pPr>
+            <a:r>
+              <a:rPr lang="en-US" sz="2400" dirty="0">
+                <a:latin typeface="Courier New" panose="02070309020205020404" pitchFamily="49" charset="0"/>
+                <a:cs typeface="Courier New" panose="02070309020205020404" pitchFamily="49" charset="0"/>
+              </a:rPr>
+              <a:t> </a:t>
+            </a:r>
+            <a:r>
+              <a:rPr lang="en-US" sz="2400" dirty="0" smtClean="0">
+                <a:latin typeface="Courier New" panose="02070309020205020404" pitchFamily="49" charset="0"/>
+                <a:cs typeface="Courier New" panose="02070309020205020404" pitchFamily="49" charset="0"/>
+              </a:rPr>
+              <a:t>  ..</a:t>
+            </a:r>
+          </a:p>
+          <a:p>
+            <a:pPr marL="0" indent="0">
+              <a:buNone/>
+            </a:pPr>
+            <a:r>
+              <a:rPr lang="en-US" sz="2400" dirty="0">
+                <a:latin typeface="Courier New" panose="02070309020205020404" pitchFamily="49" charset="0"/>
+                <a:cs typeface="Courier New" panose="02070309020205020404" pitchFamily="49" charset="0"/>
+              </a:rPr>
+              <a:t> </a:t>
+            </a:r>
+            <a:r>
+              <a:rPr lang="en-US" sz="2400" dirty="0" smtClean="0">
+                <a:latin typeface="Courier New" panose="02070309020205020404" pitchFamily="49" charset="0"/>
+                <a:cs typeface="Courier New" panose="02070309020205020404" pitchFamily="49" charset="0"/>
+              </a:rPr>
+              <a:t>  ..</a:t>
+            </a:r>
+          </a:p>
+          <a:p>
+            <a:pPr marL="0" indent="0">
+              <a:buNone/>
+            </a:pPr>
+            <a:r>
+              <a:rPr lang="en-US" sz="2400" dirty="0">
+                <a:latin typeface="Courier New" panose="02070309020205020404" pitchFamily="49" charset="0"/>
+                <a:cs typeface="Courier New" panose="02070309020205020404" pitchFamily="49" charset="0"/>
+              </a:rPr>
+              <a:t> </a:t>
+            </a:r>
+            <a:r>
+              <a:rPr lang="en-US" sz="2400" dirty="0" smtClean="0">
+                <a:latin typeface="Courier New" panose="02070309020205020404" pitchFamily="49" charset="0"/>
+                <a:cs typeface="Courier New" panose="02070309020205020404" pitchFamily="49" charset="0"/>
+              </a:rPr>
+              <a:t>  ..</a:t>
+            </a:r>
+            <a:br>
+              <a:rPr lang="en-US" sz="2400" dirty="0" smtClean="0">
+                <a:latin typeface="Courier New" panose="02070309020205020404" pitchFamily="49" charset="0"/>
+                <a:cs typeface="Courier New" panose="02070309020205020404" pitchFamily="49" charset="0"/>
+              </a:rPr>
+            </a:br>
+            <a:r>
+              <a:rPr lang="en-US" sz="2400" dirty="0" smtClean="0">
+                <a:latin typeface="Courier New" panose="02070309020205020404" pitchFamily="49" charset="0"/>
+                <a:cs typeface="Courier New" panose="02070309020205020404" pitchFamily="49" charset="0"/>
+              </a:rPr>
+              <a:t>}</a:t>
+            </a:r>
+            <a:endParaRPr lang="en-US" sz="2400" dirty="0" smtClean="0">
+              <a:latin typeface="Courier New" panose="02070309020205020404" pitchFamily="49" charset="0"/>
+              <a:cs typeface="Courier New" panose="02070309020205020404" pitchFamily="49" charset="0"/>
+            </a:endParaRPr>
           </a:p>
           <a:p>
             <a:endParaRPr lang="en-US" dirty="0"/>
@@ -13560,15 +13698,7 @@
             </a:r>
             <a:r>
               <a:rPr lang="en-US" dirty="0" smtClean="0"/>
-              <a:t>Note </a:t>
-            </a:r>
-            <a:r>
-              <a:rPr lang="en-US" dirty="0" smtClean="0"/>
-              <a:t>that *  </a:t>
-            </a:r>
-            <a:r>
-              <a:rPr lang="en-US" dirty="0" smtClean="0"/>
-              <a:t>is </a:t>
+              <a:t>Note that *  is </a:t>
             </a:r>
             <a:r>
               <a:rPr lang="en-US" b="1" i="1" dirty="0" smtClean="0"/>
@@ -13624,11 +13754,7 @@
             </a:r>
             <a:r>
               <a:rPr lang="en-US" smtClean="0"/>
-              <a:t>  </a:t>
-            </a:r>
-            <a:r>
-              <a:rPr lang="en-US" smtClean="0"/>
-              <a:t>gives </a:t>
+              <a:t>  gives </a:t>
             </a:r>
             <a:r>
               <a:rPr lang="en-US" dirty="0" smtClean="0"/>
@@ -13716,19 +13842,7 @@
               <a:rPr lang="en-US" i="1" u="sng" dirty="0" smtClean="0">
                 <a:cs typeface="Courier New" panose="02070309020205020404" pitchFamily="49" charset="0"/>
               </a:rPr>
-              <a:t> has a valid </a:t>
-            </a:r>
-            <a:r>
-              <a:rPr lang="en-US" i="1" u="sng" dirty="0" smtClean="0">
-                <a:cs typeface="Courier New" panose="02070309020205020404" pitchFamily="49" charset="0"/>
-              </a:rPr>
-              <a:t>integer’s </a:t>
-            </a:r>
-            <a:r>
-              <a:rPr lang="en-US" i="1" u="sng" dirty="0" smtClean="0">
-                <a:cs typeface="Courier New" panose="02070309020205020404" pitchFamily="49" charset="0"/>
-              </a:rPr>
-              <a:t>address</a:t>
+              <a:t> has a valid integer’s address</a:t>
             </a:r>
             <a:r>
               <a:rPr lang="en-US" dirty="0" smtClean="0">
@@ -13750,29 +13864,8 @@
               <a:rPr lang="en-US" dirty="0" smtClean="0">
                 <a:cs typeface="Courier New" panose="02070309020205020404" pitchFamily="49" charset="0"/>
               </a:rPr>
-              <a:t>to get the value of the integer in the location that p has the address of. </a:t>
-            </a:r>
-            <a:r>
-              <a:rPr lang="en-US" dirty="0" smtClean="0">
-                <a:cs typeface="Courier New" panose="02070309020205020404" pitchFamily="49" charset="0"/>
-              </a:rPr>
-              <a:t>(Here ‘*’ is called the indirection</a:t>
-            </a:r>
-            <a:r>
-              <a:rPr lang="en-US" dirty="0" smtClean="0">
-                <a:cs typeface="Courier New" panose="02070309020205020404" pitchFamily="49" charset="0"/>
-              </a:rPr>
-              <a:t>/ </a:t>
-            </a:r>
-            <a:r>
-              <a:rPr lang="en-US" dirty="0" smtClean="0">
-                <a:cs typeface="Courier New" panose="02070309020205020404" pitchFamily="49" charset="0"/>
-              </a:rPr>
-              <a:t>dereference operator)</a:t>
-            </a:r>
-            <a:endParaRPr lang="en-US" dirty="0" smtClean="0">
-              <a:cs typeface="Courier New" panose="02070309020205020404" pitchFamily="49" charset="0"/>
-            </a:endParaRPr>
+              <a:t>to get the value of the integer in the location that p has the address of. (Here ‘*’ is called the indirection/ dereference operator)</a:t>
+            </a:r>
           </a:p>
           <a:p>
             <a:r>
@@ -15767,7 +15860,35 @@
                 <a:latin typeface="Courier New" panose="02070309020205020404" pitchFamily="49" charset="0"/>
                 <a:cs typeface="Courier New" panose="02070309020205020404" pitchFamily="49" charset="0"/>
               </a:rPr>
-              <a:t>(“%d, %d”, &amp;x1, &amp;x2);</a:t>
+              <a:t>(“%</a:t>
+            </a:r>
+            <a:r>
+              <a:rPr lang="en-US" dirty="0" smtClean="0">
+                <a:latin typeface="Courier New" panose="02070309020205020404" pitchFamily="49" charset="0"/>
+                <a:cs typeface="Courier New" panose="02070309020205020404" pitchFamily="49" charset="0"/>
+              </a:rPr>
+              <a:t>d</a:t>
+            </a:r>
+            <a:r>
+              <a:rPr lang="en-US" dirty="0">
+                <a:latin typeface="Courier New" panose="02070309020205020404" pitchFamily="49" charset="0"/>
+                <a:cs typeface="Courier New" panose="02070309020205020404" pitchFamily="49" charset="0"/>
+              </a:rPr>
+              <a:t> </a:t>
+            </a:r>
+            <a:r>
+              <a:rPr lang="en-US" dirty="0" smtClean="0">
+                <a:latin typeface="Courier New" panose="02070309020205020404" pitchFamily="49" charset="0"/>
+                <a:cs typeface="Courier New" panose="02070309020205020404" pitchFamily="49" charset="0"/>
+              </a:rPr>
+              <a:t>%d</a:t>
+            </a:r>
+            <a:r>
+              <a:rPr lang="en-US" dirty="0" smtClean="0">
+                <a:latin typeface="Courier New" panose="02070309020205020404" pitchFamily="49" charset="0"/>
+                <a:cs typeface="Courier New" panose="02070309020205020404" pitchFamily="49" charset="0"/>
+              </a:rPr>
+              <a:t>”, &amp;x1, &amp;x2);</a:t>
             </a:r>
             <a:br>
               <a:rPr lang="en-US" dirty="0" smtClean="0">
@@ -17264,7 +17385,21 @@
                 <a:latin typeface="Courier New" panose="02070309020205020404" pitchFamily="49" charset="0"/>
                 <a:cs typeface="Courier New" panose="02070309020205020404" pitchFamily="49" charset="0"/>
               </a:rPr>
-              <a:t>void add_1b (</a:t>
+              <a:t>void </a:t>
+            </a:r>
+            <a:r>
+              <a:rPr lang="en-US" dirty="0" smtClean="0">
+                <a:latin typeface="Courier New" panose="02070309020205020404" pitchFamily="49" charset="0"/>
+                <a:cs typeface="Courier New" panose="02070309020205020404" pitchFamily="49" charset="0"/>
+              </a:rPr>
+              <a:t>add_1c </a:t>
+            </a:r>
+            <a:r>
+              <a:rPr lang="en-US" dirty="0" smtClean="0">
+                <a:latin typeface="Courier New" panose="02070309020205020404" pitchFamily="49" charset="0"/>
+                <a:cs typeface="Courier New" panose="02070309020205020404" pitchFamily="49" charset="0"/>
+              </a:rPr>
+              <a:t>(</a:t>
             </a:r>
             <a:r>
               <a:rPr lang="en-US" dirty="0" err="1" smtClean="0">

--- a/slides/08-Pointers.pptx
+++ b/slides/08-Pointers.pptx
@@ -24,9 +24,10 @@
     <p:sldId id="271" r:id="rId18"/>
     <p:sldId id="272" r:id="rId19"/>
     <p:sldId id="275" r:id="rId20"/>
-    <p:sldId id="274" r:id="rId21"/>
-    <p:sldId id="276" r:id="rId22"/>
-    <p:sldId id="273" r:id="rId23"/>
+    <p:sldId id="278" r:id="rId21"/>
+    <p:sldId id="274" r:id="rId22"/>
+    <p:sldId id="276" r:id="rId23"/>
+    <p:sldId id="273" r:id="rId24"/>
   </p:sldIdLst>
   <p:sldSz cx="12192000" cy="6858000"/>
   <p:notesSz cx="6858000" cy="9144000"/>
@@ -264,7 +265,7 @@
           <a:p>
             <a:fld id="{F83332AF-25CD-4F6A-A43B-D3F750BDAB3D}" type="datetimeFigureOut">
               <a:rPr lang="en-US" smtClean="0"/>
-              <a:t>10/20/2023</a:t>
+              <a:t>11/10/2023</a:t>
             </a:fld>
             <a:endParaRPr lang="en-US"/>
           </a:p>
@@ -434,7 +435,7 @@
           <a:p>
             <a:fld id="{F83332AF-25CD-4F6A-A43B-D3F750BDAB3D}" type="datetimeFigureOut">
               <a:rPr lang="en-US" smtClean="0"/>
-              <a:t>10/20/2023</a:t>
+              <a:t>11/10/2023</a:t>
             </a:fld>
             <a:endParaRPr lang="en-US"/>
           </a:p>
@@ -614,7 +615,7 @@
           <a:p>
             <a:fld id="{F83332AF-25CD-4F6A-A43B-D3F750BDAB3D}" type="datetimeFigureOut">
               <a:rPr lang="en-US" smtClean="0"/>
-              <a:t>10/20/2023</a:t>
+              <a:t>11/10/2023</a:t>
             </a:fld>
             <a:endParaRPr lang="en-US"/>
           </a:p>
@@ -784,7 +785,7 @@
           <a:p>
             <a:fld id="{F83332AF-25CD-4F6A-A43B-D3F750BDAB3D}" type="datetimeFigureOut">
               <a:rPr lang="en-US" smtClean="0"/>
-              <a:t>10/20/2023</a:t>
+              <a:t>11/10/2023</a:t>
             </a:fld>
             <a:endParaRPr lang="en-US"/>
           </a:p>
@@ -1030,7 +1031,7 @@
           <a:p>
             <a:fld id="{F83332AF-25CD-4F6A-A43B-D3F750BDAB3D}" type="datetimeFigureOut">
               <a:rPr lang="en-US" smtClean="0"/>
-              <a:t>10/20/2023</a:t>
+              <a:t>11/10/2023</a:t>
             </a:fld>
             <a:endParaRPr lang="en-US"/>
           </a:p>
@@ -1262,7 +1263,7 @@
           <a:p>
             <a:fld id="{F83332AF-25CD-4F6A-A43B-D3F750BDAB3D}" type="datetimeFigureOut">
               <a:rPr lang="en-US" smtClean="0"/>
-              <a:t>10/20/2023</a:t>
+              <a:t>11/10/2023</a:t>
             </a:fld>
             <a:endParaRPr lang="en-US"/>
           </a:p>
@@ -1629,7 +1630,7 @@
           <a:p>
             <a:fld id="{F83332AF-25CD-4F6A-A43B-D3F750BDAB3D}" type="datetimeFigureOut">
               <a:rPr lang="en-US" smtClean="0"/>
-              <a:t>10/20/2023</a:t>
+              <a:t>11/10/2023</a:t>
             </a:fld>
             <a:endParaRPr lang="en-US"/>
           </a:p>
@@ -1747,7 +1748,7 @@
           <a:p>
             <a:fld id="{F83332AF-25CD-4F6A-A43B-D3F750BDAB3D}" type="datetimeFigureOut">
               <a:rPr lang="en-US" smtClean="0"/>
-              <a:t>10/20/2023</a:t>
+              <a:t>11/10/2023</a:t>
             </a:fld>
             <a:endParaRPr lang="en-US"/>
           </a:p>
@@ -1842,7 +1843,7 @@
           <a:p>
             <a:fld id="{F83332AF-25CD-4F6A-A43B-D3F750BDAB3D}" type="datetimeFigureOut">
               <a:rPr lang="en-US" smtClean="0"/>
-              <a:t>10/20/2023</a:t>
+              <a:t>11/10/2023</a:t>
             </a:fld>
             <a:endParaRPr lang="en-US"/>
           </a:p>
@@ -2119,7 +2120,7 @@
           <a:p>
             <a:fld id="{F83332AF-25CD-4F6A-A43B-D3F750BDAB3D}" type="datetimeFigureOut">
               <a:rPr lang="en-US" smtClean="0"/>
-              <a:t>10/20/2023</a:t>
+              <a:t>11/10/2023</a:t>
             </a:fld>
             <a:endParaRPr lang="en-US"/>
           </a:p>
@@ -2372,7 +2373,7 @@
           <a:p>
             <a:fld id="{F83332AF-25CD-4F6A-A43B-D3F750BDAB3D}" type="datetimeFigureOut">
               <a:rPr lang="en-US" smtClean="0"/>
-              <a:t>10/20/2023</a:t>
+              <a:t>11/10/2023</a:t>
             </a:fld>
             <a:endParaRPr lang="en-US"/>
           </a:p>
@@ -2585,7 +2586,7 @@
           <a:p>
             <a:fld id="{F83332AF-25CD-4F6A-A43B-D3F750BDAB3D}" type="datetimeFigureOut">
               <a:rPr lang="en-US" smtClean="0"/>
-              <a:t>10/20/2023</a:t>
+              <a:t>11/10/2023</a:t>
             </a:fld>
             <a:endParaRPr lang="en-US"/>
           </a:p>
@@ -7425,7 +7426,17 @@
           <a:p>
             <a:r>
               <a:rPr lang="en-US" dirty="0" smtClean="0"/>
-              <a:t>Dynamically allocating memory</a:t>
+              <a:t>Dynamically allocating </a:t>
+            </a:r>
+            <a:r>
+              <a:rPr lang="en-US" dirty="0" smtClean="0"/>
+              <a:t>memory</a:t>
+            </a:r>
+          </a:p>
+          <a:p>
+            <a:r>
+              <a:rPr lang="en-US" dirty="0" smtClean="0"/>
+              <a:t>… and using pointers to access dynamically allocated memory</a:t>
             </a:r>
             <a:endParaRPr lang="en-US" dirty="0"/>
           </a:p>
@@ -8038,18 +8049,30 @@
           <a:lstStyle/>
           <a:p>
             <a:r>
-              <a:rPr lang="en-US" dirty="0" err="1"/>
+              <a:rPr lang="en-US" dirty="0" err="1">
+                <a:latin typeface="Courier New" panose="02070309020205020404" pitchFamily="49" charset="0"/>
+                <a:cs typeface="Courier New" panose="02070309020205020404" pitchFamily="49" charset="0"/>
+              </a:rPr>
               <a:t>m</a:t>
             </a:r>
             <a:r>
-              <a:rPr lang="en-US" dirty="0" err="1" smtClean="0"/>
+              <a:rPr lang="en-US" dirty="0" err="1" smtClean="0">
+                <a:latin typeface="Courier New" panose="02070309020205020404" pitchFamily="49" charset="0"/>
+                <a:cs typeface="Courier New" panose="02070309020205020404" pitchFamily="49" charset="0"/>
+              </a:rPr>
               <a:t>alloc</a:t>
             </a:r>
             <a:r>
-              <a:rPr lang="en-US" dirty="0" smtClean="0"/>
+              <a:rPr lang="en-US" dirty="0" smtClean="0">
+                <a:latin typeface="Courier New" panose="02070309020205020404" pitchFamily="49" charset="0"/>
+                <a:cs typeface="Courier New" panose="02070309020205020404" pitchFamily="49" charset="0"/>
+              </a:rPr>
               <a:t>()</a:t>
             </a:r>
-            <a:endParaRPr lang="en-US" dirty="0"/>
+            <a:endParaRPr lang="en-US" dirty="0">
+              <a:latin typeface="Courier New" panose="02070309020205020404" pitchFamily="49" charset="0"/>
+              <a:cs typeface="Courier New" panose="02070309020205020404" pitchFamily="49" charset="0"/>
+            </a:endParaRPr>
           </a:p>
         </p:txBody>
       </p:sp>
@@ -8117,11 +8140,7 @@
             </a:r>
             <a:r>
               <a:rPr lang="en-US" dirty="0" smtClean="0"/>
-              <a:t> bytes and gives you the pointer to the first of them</a:t>
-            </a:r>
-            <a:r>
-              <a:rPr lang="en-US" dirty="0" smtClean="0"/>
-              <a:t>.</a:t>
+              <a:t> bytes and gives you the pointer to the first of them.</a:t>
             </a:r>
             <a:endParaRPr lang="en-US" dirty="0"/>
           </a:p>
@@ -9811,11 +9830,7 @@
             </a:r>
             <a:r>
               <a:rPr lang="en-US" dirty="0" smtClean="0"/>
-              <a:t>d</a:t>
-            </a:r>
-            <a:r>
-              <a:rPr lang="en-US" dirty="0" smtClean="0"/>
-              <a:t>.</a:t>
+              <a:t>d.</a:t>
             </a:r>
           </a:p>
           <a:p>
@@ -10103,10 +10118,6 @@
               </a:rPr>
               <a:t>}</a:t>
             </a:r>
-            <a:endParaRPr lang="en-US" sz="2400" dirty="0" smtClean="0">
-              <a:latin typeface="Courier New" panose="02070309020205020404" pitchFamily="49" charset="0"/>
-              <a:cs typeface="Courier New" panose="02070309020205020404" pitchFamily="49" charset="0"/>
-            </a:endParaRPr>
           </a:p>
           <a:p>
             <a:endParaRPr lang="en-US" dirty="0"/>
@@ -10299,6 +10310,2339 @@
 </file>
 
 <file path=ppt/slides/slide20.xml><?xml version="1.0" encoding="utf-8"?>
+<p:sld xmlns:a="http://schemas.openxmlformats.org/drawingml/2006/main" xmlns:r="http://schemas.openxmlformats.org/officeDocument/2006/relationships" xmlns:p="http://schemas.openxmlformats.org/presentationml/2006/main">
+  <p:cSld>
+    <p:spTree>
+      <p:nvGrpSpPr>
+        <p:cNvPr id="1" name=""/>
+        <p:cNvGrpSpPr/>
+        <p:nvPr/>
+      </p:nvGrpSpPr>
+      <p:grpSpPr>
+        <a:xfrm>
+          <a:off x="0" y="0"/>
+          <a:ext cx="0" cy="0"/>
+          <a:chOff x="0" y="0"/>
+          <a:chExt cx="0" cy="0"/>
+        </a:xfrm>
+      </p:grpSpPr>
+      <p:sp>
+        <p:nvSpPr>
+          <p:cNvPr id="4" name="Rectangle 3"/>
+          <p:cNvSpPr/>
+          <p:nvPr/>
+        </p:nvSpPr>
+        <p:spPr>
+          <a:xfrm>
+            <a:off x="267286" y="900332"/>
+            <a:ext cx="1772529" cy="1674056"/>
+          </a:xfrm>
+          <a:prstGeom prst="rect">
+            <a:avLst/>
+          </a:prstGeom>
+          <a:solidFill>
+            <a:srgbClr val="FFC000"/>
+          </a:solidFill>
+        </p:spPr>
+        <p:style>
+          <a:lnRef idx="2">
+            <a:schemeClr val="accent1">
+              <a:shade val="50000"/>
+            </a:schemeClr>
+          </a:lnRef>
+          <a:fillRef idx="1">
+            <a:schemeClr val="accent1"/>
+          </a:fillRef>
+          <a:effectRef idx="0">
+            <a:schemeClr val="accent1"/>
+          </a:effectRef>
+          <a:fontRef idx="minor">
+            <a:schemeClr val="lt1"/>
+          </a:fontRef>
+        </p:style>
+        <p:txBody>
+          <a:bodyPr rtlCol="0" anchor="ctr"/>
+          <a:lstStyle/>
+          <a:p>
+            <a:r>
+              <a:rPr lang="en-US" dirty="0" smtClean="0">
+                <a:solidFill>
+                  <a:schemeClr val="tx1"/>
+                </a:solidFill>
+              </a:rPr>
+              <a:t>Your program’s used address space.. Your call stack, your code, your </a:t>
+            </a:r>
+            <a:r>
+              <a:rPr lang="en-US" dirty="0" err="1" smtClean="0">
+                <a:solidFill>
+                  <a:schemeClr val="tx1"/>
+                </a:solidFill>
+              </a:rPr>
+              <a:t>globals</a:t>
+            </a:r>
+            <a:r>
+              <a:rPr lang="en-US" dirty="0" smtClean="0">
+                <a:solidFill>
+                  <a:schemeClr val="tx1"/>
+                </a:solidFill>
+              </a:rPr>
+              <a:t> </a:t>
+            </a:r>
+            <a:r>
+              <a:rPr lang="en-US" dirty="0" err="1" smtClean="0">
+                <a:solidFill>
+                  <a:schemeClr val="tx1"/>
+                </a:solidFill>
+              </a:rPr>
+              <a:t>etc</a:t>
+            </a:r>
+            <a:endParaRPr lang="en-US" dirty="0">
+              <a:solidFill>
+                <a:schemeClr val="tx1"/>
+              </a:solidFill>
+            </a:endParaRPr>
+          </a:p>
+        </p:txBody>
+      </p:sp>
+      <p:sp>
+        <p:nvSpPr>
+          <p:cNvPr id="5" name="Rectangle 4"/>
+          <p:cNvSpPr/>
+          <p:nvPr/>
+        </p:nvSpPr>
+        <p:spPr>
+          <a:xfrm>
+            <a:off x="239151" y="2602523"/>
+            <a:ext cx="1800664" cy="3364681"/>
+          </a:xfrm>
+          <a:prstGeom prst="rect">
+            <a:avLst/>
+          </a:prstGeom>
+          <a:solidFill>
+            <a:srgbClr val="FFFF00"/>
+          </a:solidFill>
+        </p:spPr>
+        <p:style>
+          <a:lnRef idx="2">
+            <a:schemeClr val="accent1">
+              <a:shade val="50000"/>
+            </a:schemeClr>
+          </a:lnRef>
+          <a:fillRef idx="1">
+            <a:schemeClr val="accent1"/>
+          </a:fillRef>
+          <a:effectRef idx="0">
+            <a:schemeClr val="accent1"/>
+          </a:effectRef>
+          <a:fontRef idx="minor">
+            <a:schemeClr val="lt1"/>
+          </a:fontRef>
+        </p:style>
+        <p:txBody>
+          <a:bodyPr rtlCol="0" anchor="ctr"/>
+          <a:lstStyle/>
+          <a:p>
+            <a:pPr algn="ctr"/>
+            <a:r>
+              <a:rPr lang="en-US" dirty="0" smtClean="0">
+                <a:solidFill>
+                  <a:schemeClr val="tx1"/>
+                </a:solidFill>
+              </a:rPr>
+              <a:t>Unused space</a:t>
+            </a:r>
+            <a:endParaRPr lang="en-US" dirty="0">
+              <a:solidFill>
+                <a:schemeClr val="tx1"/>
+              </a:solidFill>
+            </a:endParaRPr>
+          </a:p>
+        </p:txBody>
+      </p:sp>
+      <p:grpSp>
+        <p:nvGrpSpPr>
+          <p:cNvPr id="38" name="Group 37"/>
+          <p:cNvGrpSpPr/>
+          <p:nvPr/>
+        </p:nvGrpSpPr>
+        <p:grpSpPr>
+          <a:xfrm>
+            <a:off x="2518027" y="912052"/>
+            <a:ext cx="2501792" cy="5055152"/>
+            <a:chOff x="2518027" y="912052"/>
+            <a:chExt cx="2501792" cy="5055152"/>
+          </a:xfrm>
+        </p:grpSpPr>
+        <p:sp>
+          <p:nvSpPr>
+            <p:cNvPr id="8" name="Rectangle 7"/>
+            <p:cNvSpPr/>
+            <p:nvPr/>
+          </p:nvSpPr>
+          <p:spPr>
+            <a:xfrm>
+              <a:off x="3247290" y="912052"/>
+              <a:ext cx="1772529" cy="1674056"/>
+            </a:xfrm>
+            <a:prstGeom prst="rect">
+              <a:avLst/>
+            </a:prstGeom>
+            <a:solidFill>
+              <a:srgbClr val="FFC000"/>
+            </a:solidFill>
+          </p:spPr>
+          <p:style>
+            <a:lnRef idx="2">
+              <a:schemeClr val="accent1">
+                <a:shade val="50000"/>
+              </a:schemeClr>
+            </a:lnRef>
+            <a:fillRef idx="1">
+              <a:schemeClr val="accent1"/>
+            </a:fillRef>
+            <a:effectRef idx="0">
+              <a:schemeClr val="accent1"/>
+            </a:effectRef>
+            <a:fontRef idx="minor">
+              <a:schemeClr val="lt1"/>
+            </a:fontRef>
+          </p:style>
+          <p:txBody>
+            <a:bodyPr rtlCol="0" anchor="ctr"/>
+            <a:lstStyle/>
+            <a:p>
+              <a:endParaRPr lang="en-US" dirty="0">
+                <a:solidFill>
+                  <a:schemeClr val="tx1"/>
+                </a:solidFill>
+              </a:endParaRPr>
+            </a:p>
+          </p:txBody>
+        </p:sp>
+        <p:sp>
+          <p:nvSpPr>
+            <p:cNvPr id="9" name="Rectangle 8"/>
+            <p:cNvSpPr/>
+            <p:nvPr/>
+          </p:nvSpPr>
+          <p:spPr>
+            <a:xfrm>
+              <a:off x="3219155" y="2614243"/>
+              <a:ext cx="1800664" cy="3352961"/>
+            </a:xfrm>
+            <a:prstGeom prst="rect">
+              <a:avLst/>
+            </a:prstGeom>
+            <a:solidFill>
+              <a:srgbClr val="FFFF00"/>
+            </a:solidFill>
+          </p:spPr>
+          <p:style>
+            <a:lnRef idx="2">
+              <a:schemeClr val="accent1">
+                <a:shade val="50000"/>
+              </a:schemeClr>
+            </a:lnRef>
+            <a:fillRef idx="1">
+              <a:schemeClr val="accent1"/>
+            </a:fillRef>
+            <a:effectRef idx="0">
+              <a:schemeClr val="accent1"/>
+            </a:effectRef>
+            <a:fontRef idx="minor">
+              <a:schemeClr val="lt1"/>
+            </a:fontRef>
+          </p:style>
+          <p:txBody>
+            <a:bodyPr rtlCol="0" anchor="ctr"/>
+            <a:lstStyle/>
+            <a:p>
+              <a:pPr algn="ctr"/>
+              <a:r>
+                <a:rPr lang="en-US" dirty="0" smtClean="0">
+                  <a:solidFill>
+                    <a:schemeClr val="tx1"/>
+                  </a:solidFill>
+                </a:rPr>
+                <a:t>Unused space</a:t>
+              </a:r>
+              <a:endParaRPr lang="en-US" dirty="0">
+                <a:solidFill>
+                  <a:schemeClr val="tx1"/>
+                </a:solidFill>
+              </a:endParaRPr>
+            </a:p>
+          </p:txBody>
+        </p:sp>
+        <p:sp>
+          <p:nvSpPr>
+            <p:cNvPr id="10" name="Rectangle 9"/>
+            <p:cNvSpPr/>
+            <p:nvPr/>
+          </p:nvSpPr>
+          <p:spPr>
+            <a:xfrm>
+              <a:off x="3807651" y="1561513"/>
+              <a:ext cx="633046" cy="393895"/>
+            </a:xfrm>
+            <a:prstGeom prst="rect">
+              <a:avLst/>
+            </a:prstGeom>
+            <a:noFill/>
+            <a:ln>
+              <a:solidFill>
+                <a:schemeClr val="tx1"/>
+              </a:solidFill>
+            </a:ln>
+          </p:spPr>
+          <p:style>
+            <a:lnRef idx="2">
+              <a:schemeClr val="accent1">
+                <a:shade val="50000"/>
+              </a:schemeClr>
+            </a:lnRef>
+            <a:fillRef idx="1">
+              <a:schemeClr val="accent1"/>
+            </a:fillRef>
+            <a:effectRef idx="0">
+              <a:schemeClr val="accent1"/>
+            </a:effectRef>
+            <a:fontRef idx="minor">
+              <a:schemeClr val="lt1"/>
+            </a:fontRef>
+          </p:style>
+          <p:txBody>
+            <a:bodyPr rtlCol="0" anchor="t"/>
+            <a:lstStyle/>
+            <a:p>
+              <a:r>
+                <a:rPr lang="en-US" dirty="0">
+                  <a:solidFill>
+                    <a:schemeClr val="tx1"/>
+                  </a:solidFill>
+                </a:rPr>
+                <a:t>p</a:t>
+              </a:r>
+            </a:p>
+          </p:txBody>
+        </p:sp>
+        <p:sp>
+          <p:nvSpPr>
+            <p:cNvPr id="11" name="Rectangle 10"/>
+            <p:cNvSpPr/>
+            <p:nvPr/>
+          </p:nvSpPr>
+          <p:spPr>
+            <a:xfrm>
+              <a:off x="3282459" y="3376248"/>
+              <a:ext cx="1674056" cy="98474"/>
+            </a:xfrm>
+            <a:prstGeom prst="rect">
+              <a:avLst/>
+            </a:prstGeom>
+            <a:pattFill prst="plaid">
+              <a:fgClr>
+                <a:srgbClr val="FFC000"/>
+              </a:fgClr>
+              <a:bgClr>
+                <a:schemeClr val="bg1"/>
+              </a:bgClr>
+            </a:pattFill>
+          </p:spPr>
+          <p:style>
+            <a:lnRef idx="2">
+              <a:schemeClr val="accent1">
+                <a:shade val="50000"/>
+              </a:schemeClr>
+            </a:lnRef>
+            <a:fillRef idx="1">
+              <a:schemeClr val="accent1"/>
+            </a:fillRef>
+            <a:effectRef idx="0">
+              <a:schemeClr val="accent1"/>
+            </a:effectRef>
+            <a:fontRef idx="minor">
+              <a:schemeClr val="lt1"/>
+            </a:fontRef>
+          </p:style>
+          <p:txBody>
+            <a:bodyPr rtlCol="0" anchor="ctr"/>
+            <a:lstStyle/>
+            <a:p>
+              <a:pPr algn="ctr"/>
+              <a:endParaRPr lang="en-US"/>
+            </a:p>
+          </p:txBody>
+        </p:sp>
+        <p:sp>
+          <p:nvSpPr>
+            <p:cNvPr id="12" name="Freeform 11"/>
+            <p:cNvSpPr/>
+            <p:nvPr/>
+          </p:nvSpPr>
+          <p:spPr>
+            <a:xfrm>
+              <a:off x="2518027" y="1772529"/>
+              <a:ext cx="1280248" cy="1575582"/>
+            </a:xfrm>
+            <a:custGeom>
+              <a:avLst/>
+              <a:gdLst>
+                <a:gd name="connsiteX0" fmla="*/ 1280248 w 1280248"/>
+                <a:gd name="connsiteY0" fmla="*/ 0 h 1575582"/>
+                <a:gd name="connsiteX1" fmla="*/ 858218 w 1280248"/>
+                <a:gd name="connsiteY1" fmla="*/ 407963 h 1575582"/>
+                <a:gd name="connsiteX2" fmla="*/ 88 w 1280248"/>
+                <a:gd name="connsiteY2" fmla="*/ 872197 h 1575582"/>
+                <a:gd name="connsiteX3" fmla="*/ 816015 w 1280248"/>
+                <a:gd name="connsiteY3" fmla="*/ 1575582 h 1575582"/>
+              </a:gdLst>
+              <a:ahLst/>
+              <a:cxnLst>
+                <a:cxn ang="0">
+                  <a:pos x="connsiteX0" y="connsiteY0"/>
+                </a:cxn>
+                <a:cxn ang="0">
+                  <a:pos x="connsiteX1" y="connsiteY1"/>
+                </a:cxn>
+                <a:cxn ang="0">
+                  <a:pos x="connsiteX2" y="connsiteY2"/>
+                </a:cxn>
+                <a:cxn ang="0">
+                  <a:pos x="connsiteX3" y="connsiteY3"/>
+                </a:cxn>
+              </a:cxnLst>
+              <a:rect l="l" t="t" r="r" b="b"/>
+              <a:pathLst>
+                <a:path w="1280248" h="1575582">
+                  <a:moveTo>
+                    <a:pt x="1280248" y="0"/>
+                  </a:moveTo>
+                  <a:cubicBezTo>
+                    <a:pt x="1175913" y="131298"/>
+                    <a:pt x="1071578" y="262597"/>
+                    <a:pt x="858218" y="407963"/>
+                  </a:cubicBezTo>
+                  <a:cubicBezTo>
+                    <a:pt x="644858" y="553329"/>
+                    <a:pt x="7122" y="677594"/>
+                    <a:pt x="88" y="872197"/>
+                  </a:cubicBezTo>
+                  <a:cubicBezTo>
+                    <a:pt x="-6946" y="1066800"/>
+                    <a:pt x="404534" y="1321191"/>
+                    <a:pt x="816015" y="1575582"/>
+                  </a:cubicBezTo>
+                </a:path>
+              </a:pathLst>
+            </a:custGeom>
+            <a:noFill/>
+            <a:ln>
+              <a:headEnd type="none" w="med" len="med"/>
+              <a:tailEnd type="arrow" w="med" len="med"/>
+            </a:ln>
+          </p:spPr>
+          <p:style>
+            <a:lnRef idx="2">
+              <a:schemeClr val="accent1">
+                <a:shade val="50000"/>
+              </a:schemeClr>
+            </a:lnRef>
+            <a:fillRef idx="1">
+              <a:schemeClr val="accent1"/>
+            </a:fillRef>
+            <a:effectRef idx="0">
+              <a:schemeClr val="accent1"/>
+            </a:effectRef>
+            <a:fontRef idx="minor">
+              <a:schemeClr val="lt1"/>
+            </a:fontRef>
+          </p:style>
+          <p:txBody>
+            <a:bodyPr rtlCol="0" anchor="ctr"/>
+            <a:lstStyle/>
+            <a:p>
+              <a:pPr algn="ctr"/>
+              <a:endParaRPr lang="en-US"/>
+            </a:p>
+          </p:txBody>
+        </p:sp>
+      </p:grpSp>
+      <p:grpSp>
+        <p:nvGrpSpPr>
+          <p:cNvPr id="39" name="Group 38"/>
+          <p:cNvGrpSpPr/>
+          <p:nvPr/>
+        </p:nvGrpSpPr>
+        <p:grpSpPr>
+          <a:xfrm>
+            <a:off x="5146347" y="895641"/>
+            <a:ext cx="2501792" cy="5071564"/>
+            <a:chOff x="5146347" y="895641"/>
+            <a:chExt cx="2501792" cy="5071564"/>
+          </a:xfrm>
+        </p:grpSpPr>
+        <p:sp>
+          <p:nvSpPr>
+            <p:cNvPr id="15" name="Rectangle 14"/>
+            <p:cNvSpPr/>
+            <p:nvPr/>
+          </p:nvSpPr>
+          <p:spPr>
+            <a:xfrm>
+              <a:off x="5875610" y="895641"/>
+              <a:ext cx="1772529" cy="1674056"/>
+            </a:xfrm>
+            <a:prstGeom prst="rect">
+              <a:avLst/>
+            </a:prstGeom>
+            <a:solidFill>
+              <a:srgbClr val="FFC000"/>
+            </a:solidFill>
+          </p:spPr>
+          <p:style>
+            <a:lnRef idx="2">
+              <a:schemeClr val="accent1">
+                <a:shade val="50000"/>
+              </a:schemeClr>
+            </a:lnRef>
+            <a:fillRef idx="1">
+              <a:schemeClr val="accent1"/>
+            </a:fillRef>
+            <a:effectRef idx="0">
+              <a:schemeClr val="accent1"/>
+            </a:effectRef>
+            <a:fontRef idx="minor">
+              <a:schemeClr val="lt1"/>
+            </a:fontRef>
+          </p:style>
+          <p:txBody>
+            <a:bodyPr rtlCol="0" anchor="ctr"/>
+            <a:lstStyle/>
+            <a:p>
+              <a:endParaRPr lang="en-US" dirty="0">
+                <a:solidFill>
+                  <a:schemeClr val="tx1"/>
+                </a:solidFill>
+              </a:endParaRPr>
+            </a:p>
+          </p:txBody>
+        </p:sp>
+        <p:sp>
+          <p:nvSpPr>
+            <p:cNvPr id="16" name="Rectangle 15"/>
+            <p:cNvSpPr/>
+            <p:nvPr/>
+          </p:nvSpPr>
+          <p:spPr>
+            <a:xfrm>
+              <a:off x="5847475" y="2597833"/>
+              <a:ext cx="1800664" cy="3369372"/>
+            </a:xfrm>
+            <a:prstGeom prst="rect">
+              <a:avLst/>
+            </a:prstGeom>
+            <a:solidFill>
+              <a:srgbClr val="FFFF00"/>
+            </a:solidFill>
+          </p:spPr>
+          <p:style>
+            <a:lnRef idx="2">
+              <a:schemeClr val="accent1">
+                <a:shade val="50000"/>
+              </a:schemeClr>
+            </a:lnRef>
+            <a:fillRef idx="1">
+              <a:schemeClr val="accent1"/>
+            </a:fillRef>
+            <a:effectRef idx="0">
+              <a:schemeClr val="accent1"/>
+            </a:effectRef>
+            <a:fontRef idx="minor">
+              <a:schemeClr val="lt1"/>
+            </a:fontRef>
+          </p:style>
+          <p:txBody>
+            <a:bodyPr rtlCol="0" anchor="ctr"/>
+            <a:lstStyle/>
+            <a:p>
+              <a:pPr algn="ctr"/>
+              <a:r>
+                <a:rPr lang="en-US" dirty="0" smtClean="0">
+                  <a:solidFill>
+                    <a:schemeClr val="tx1"/>
+                  </a:solidFill>
+                </a:rPr>
+                <a:t>Unused space</a:t>
+              </a:r>
+              <a:endParaRPr lang="en-US" dirty="0">
+                <a:solidFill>
+                  <a:schemeClr val="tx1"/>
+                </a:solidFill>
+              </a:endParaRPr>
+            </a:p>
+          </p:txBody>
+        </p:sp>
+        <p:sp>
+          <p:nvSpPr>
+            <p:cNvPr id="17" name="Rectangle 16"/>
+            <p:cNvSpPr/>
+            <p:nvPr/>
+          </p:nvSpPr>
+          <p:spPr>
+            <a:xfrm>
+              <a:off x="6435971" y="1545102"/>
+              <a:ext cx="633046" cy="393895"/>
+            </a:xfrm>
+            <a:prstGeom prst="rect">
+              <a:avLst/>
+            </a:prstGeom>
+            <a:noFill/>
+            <a:ln>
+              <a:solidFill>
+                <a:schemeClr val="tx1"/>
+              </a:solidFill>
+            </a:ln>
+          </p:spPr>
+          <p:style>
+            <a:lnRef idx="2">
+              <a:schemeClr val="accent1">
+                <a:shade val="50000"/>
+              </a:schemeClr>
+            </a:lnRef>
+            <a:fillRef idx="1">
+              <a:schemeClr val="accent1"/>
+            </a:fillRef>
+            <a:effectRef idx="0">
+              <a:schemeClr val="accent1"/>
+            </a:effectRef>
+            <a:fontRef idx="minor">
+              <a:schemeClr val="lt1"/>
+            </a:fontRef>
+          </p:style>
+          <p:txBody>
+            <a:bodyPr rtlCol="0" anchor="t"/>
+            <a:lstStyle/>
+            <a:p>
+              <a:r>
+                <a:rPr lang="en-US" dirty="0">
+                  <a:solidFill>
+                    <a:schemeClr val="tx1"/>
+                  </a:solidFill>
+                </a:rPr>
+                <a:t>p</a:t>
+              </a:r>
+            </a:p>
+          </p:txBody>
+        </p:sp>
+        <p:sp>
+          <p:nvSpPr>
+            <p:cNvPr id="18" name="Rectangle 17"/>
+            <p:cNvSpPr/>
+            <p:nvPr/>
+          </p:nvSpPr>
+          <p:spPr>
+            <a:xfrm>
+              <a:off x="5910779" y="3359837"/>
+              <a:ext cx="1674056" cy="98474"/>
+            </a:xfrm>
+            <a:prstGeom prst="rect">
+              <a:avLst/>
+            </a:prstGeom>
+            <a:pattFill prst="plaid">
+              <a:fgClr>
+                <a:srgbClr val="FFC000"/>
+              </a:fgClr>
+              <a:bgClr>
+                <a:schemeClr val="bg1"/>
+              </a:bgClr>
+            </a:pattFill>
+          </p:spPr>
+          <p:style>
+            <a:lnRef idx="2">
+              <a:schemeClr val="accent1">
+                <a:shade val="50000"/>
+              </a:schemeClr>
+            </a:lnRef>
+            <a:fillRef idx="1">
+              <a:schemeClr val="accent1"/>
+            </a:fillRef>
+            <a:effectRef idx="0">
+              <a:schemeClr val="accent1"/>
+            </a:effectRef>
+            <a:fontRef idx="minor">
+              <a:schemeClr val="lt1"/>
+            </a:fontRef>
+          </p:style>
+          <p:txBody>
+            <a:bodyPr rtlCol="0" anchor="ctr"/>
+            <a:lstStyle/>
+            <a:p>
+              <a:pPr algn="ctr"/>
+              <a:endParaRPr lang="en-US"/>
+            </a:p>
+          </p:txBody>
+        </p:sp>
+        <p:sp>
+          <p:nvSpPr>
+            <p:cNvPr id="19" name="Freeform 18"/>
+            <p:cNvSpPr/>
+            <p:nvPr/>
+          </p:nvSpPr>
+          <p:spPr>
+            <a:xfrm>
+              <a:off x="5146347" y="1756118"/>
+              <a:ext cx="1280248" cy="1575582"/>
+            </a:xfrm>
+            <a:custGeom>
+              <a:avLst/>
+              <a:gdLst>
+                <a:gd name="connsiteX0" fmla="*/ 1280248 w 1280248"/>
+                <a:gd name="connsiteY0" fmla="*/ 0 h 1575582"/>
+                <a:gd name="connsiteX1" fmla="*/ 858218 w 1280248"/>
+                <a:gd name="connsiteY1" fmla="*/ 407963 h 1575582"/>
+                <a:gd name="connsiteX2" fmla="*/ 88 w 1280248"/>
+                <a:gd name="connsiteY2" fmla="*/ 872197 h 1575582"/>
+                <a:gd name="connsiteX3" fmla="*/ 816015 w 1280248"/>
+                <a:gd name="connsiteY3" fmla="*/ 1575582 h 1575582"/>
+              </a:gdLst>
+              <a:ahLst/>
+              <a:cxnLst>
+                <a:cxn ang="0">
+                  <a:pos x="connsiteX0" y="connsiteY0"/>
+                </a:cxn>
+                <a:cxn ang="0">
+                  <a:pos x="connsiteX1" y="connsiteY1"/>
+                </a:cxn>
+                <a:cxn ang="0">
+                  <a:pos x="connsiteX2" y="connsiteY2"/>
+                </a:cxn>
+                <a:cxn ang="0">
+                  <a:pos x="connsiteX3" y="connsiteY3"/>
+                </a:cxn>
+              </a:cxnLst>
+              <a:rect l="l" t="t" r="r" b="b"/>
+              <a:pathLst>
+                <a:path w="1280248" h="1575582">
+                  <a:moveTo>
+                    <a:pt x="1280248" y="0"/>
+                  </a:moveTo>
+                  <a:cubicBezTo>
+                    <a:pt x="1175913" y="131298"/>
+                    <a:pt x="1071578" y="262597"/>
+                    <a:pt x="858218" y="407963"/>
+                  </a:cubicBezTo>
+                  <a:cubicBezTo>
+                    <a:pt x="644858" y="553329"/>
+                    <a:pt x="7122" y="677594"/>
+                    <a:pt x="88" y="872197"/>
+                  </a:cubicBezTo>
+                  <a:cubicBezTo>
+                    <a:pt x="-6946" y="1066800"/>
+                    <a:pt x="404534" y="1321191"/>
+                    <a:pt x="816015" y="1575582"/>
+                  </a:cubicBezTo>
+                </a:path>
+              </a:pathLst>
+            </a:custGeom>
+            <a:noFill/>
+            <a:ln>
+              <a:headEnd type="none" w="med" len="med"/>
+              <a:tailEnd type="arrow" w="med" len="med"/>
+            </a:ln>
+          </p:spPr>
+          <p:style>
+            <a:lnRef idx="2">
+              <a:schemeClr val="accent1">
+                <a:shade val="50000"/>
+              </a:schemeClr>
+            </a:lnRef>
+            <a:fillRef idx="1">
+              <a:schemeClr val="accent1"/>
+            </a:fillRef>
+            <a:effectRef idx="0">
+              <a:schemeClr val="accent1"/>
+            </a:effectRef>
+            <a:fontRef idx="minor">
+              <a:schemeClr val="lt1"/>
+            </a:fontRef>
+          </p:style>
+          <p:txBody>
+            <a:bodyPr rtlCol="0" anchor="ctr"/>
+            <a:lstStyle/>
+            <a:p>
+              <a:pPr algn="ctr"/>
+              <a:endParaRPr lang="en-US"/>
+            </a:p>
+          </p:txBody>
+        </p:sp>
+        <p:sp>
+          <p:nvSpPr>
+            <p:cNvPr id="13" name="Rectangle 12"/>
+            <p:cNvSpPr/>
+            <p:nvPr/>
+          </p:nvSpPr>
+          <p:spPr>
+            <a:xfrm>
+              <a:off x="6417223" y="2119529"/>
+              <a:ext cx="633046" cy="393895"/>
+            </a:xfrm>
+            <a:prstGeom prst="rect">
+              <a:avLst/>
+            </a:prstGeom>
+            <a:noFill/>
+            <a:ln>
+              <a:solidFill>
+                <a:schemeClr val="tx1"/>
+              </a:solidFill>
+            </a:ln>
+          </p:spPr>
+          <p:style>
+            <a:lnRef idx="2">
+              <a:schemeClr val="accent1">
+                <a:shade val="50000"/>
+              </a:schemeClr>
+            </a:lnRef>
+            <a:fillRef idx="1">
+              <a:schemeClr val="accent1"/>
+            </a:fillRef>
+            <a:effectRef idx="0">
+              <a:schemeClr val="accent1"/>
+            </a:effectRef>
+            <a:fontRef idx="minor">
+              <a:schemeClr val="lt1"/>
+            </a:fontRef>
+          </p:style>
+          <p:txBody>
+            <a:bodyPr rtlCol="0" anchor="t"/>
+            <a:lstStyle/>
+            <a:p>
+              <a:r>
+                <a:rPr lang="en-US" dirty="0" smtClean="0">
+                  <a:solidFill>
+                    <a:schemeClr val="tx1"/>
+                  </a:solidFill>
+                </a:rPr>
+                <a:t>q</a:t>
+              </a:r>
+              <a:endParaRPr lang="en-US" dirty="0">
+                <a:solidFill>
+                  <a:schemeClr val="tx1"/>
+                </a:solidFill>
+              </a:endParaRPr>
+            </a:p>
+          </p:txBody>
+        </p:sp>
+        <p:sp>
+          <p:nvSpPr>
+            <p:cNvPr id="14" name="Rectangle 13"/>
+            <p:cNvSpPr/>
+            <p:nvPr/>
+          </p:nvSpPr>
+          <p:spPr>
+            <a:xfrm>
+              <a:off x="6269518" y="2834639"/>
+              <a:ext cx="618964" cy="119577"/>
+            </a:xfrm>
+            <a:prstGeom prst="rect">
+              <a:avLst/>
+            </a:prstGeom>
+            <a:pattFill prst="plaid">
+              <a:fgClr>
+                <a:srgbClr val="FFC000"/>
+              </a:fgClr>
+              <a:bgClr>
+                <a:schemeClr val="bg1"/>
+              </a:bgClr>
+            </a:pattFill>
+          </p:spPr>
+          <p:style>
+            <a:lnRef idx="2">
+              <a:schemeClr val="accent1">
+                <a:shade val="50000"/>
+              </a:schemeClr>
+            </a:lnRef>
+            <a:fillRef idx="1">
+              <a:schemeClr val="accent1"/>
+            </a:fillRef>
+            <a:effectRef idx="0">
+              <a:schemeClr val="accent1"/>
+            </a:effectRef>
+            <a:fontRef idx="minor">
+              <a:schemeClr val="lt1"/>
+            </a:fontRef>
+          </p:style>
+          <p:txBody>
+            <a:bodyPr rtlCol="0" anchor="ctr"/>
+            <a:lstStyle/>
+            <a:p>
+              <a:pPr algn="ctr"/>
+              <a:endParaRPr lang="en-US"/>
+            </a:p>
+          </p:txBody>
+        </p:sp>
+        <p:sp>
+          <p:nvSpPr>
+            <p:cNvPr id="20" name="Freeform 19"/>
+            <p:cNvSpPr/>
+            <p:nvPr/>
+          </p:nvSpPr>
+          <p:spPr>
+            <a:xfrm>
+              <a:off x="6059932" y="2349305"/>
+              <a:ext cx="397139" cy="492369"/>
+            </a:xfrm>
+            <a:custGeom>
+              <a:avLst/>
+              <a:gdLst>
+                <a:gd name="connsiteX0" fmla="*/ 397139 w 397139"/>
+                <a:gd name="connsiteY0" fmla="*/ 0 h 492369"/>
+                <a:gd name="connsiteX1" fmla="*/ 3243 w 397139"/>
+                <a:gd name="connsiteY1" fmla="*/ 168812 h 492369"/>
+                <a:gd name="connsiteX2" fmla="*/ 242394 w 397139"/>
+                <a:gd name="connsiteY2" fmla="*/ 492369 h 492369"/>
+              </a:gdLst>
+              <a:ahLst/>
+              <a:cxnLst>
+                <a:cxn ang="0">
+                  <a:pos x="connsiteX0" y="connsiteY0"/>
+                </a:cxn>
+                <a:cxn ang="0">
+                  <a:pos x="connsiteX1" y="connsiteY1"/>
+                </a:cxn>
+                <a:cxn ang="0">
+                  <a:pos x="connsiteX2" y="connsiteY2"/>
+                </a:cxn>
+              </a:cxnLst>
+              <a:rect l="l" t="t" r="r" b="b"/>
+              <a:pathLst>
+                <a:path w="397139" h="492369">
+                  <a:moveTo>
+                    <a:pt x="397139" y="0"/>
+                  </a:moveTo>
+                  <a:cubicBezTo>
+                    <a:pt x="213086" y="43375"/>
+                    <a:pt x="29034" y="86751"/>
+                    <a:pt x="3243" y="168812"/>
+                  </a:cubicBezTo>
+                  <a:cubicBezTo>
+                    <a:pt x="-22548" y="250873"/>
+                    <a:pt x="109923" y="371621"/>
+                    <a:pt x="242394" y="492369"/>
+                  </a:cubicBezTo>
+                </a:path>
+              </a:pathLst>
+            </a:custGeom>
+            <a:noFill/>
+            <a:ln>
+              <a:headEnd type="none" w="med" len="med"/>
+              <a:tailEnd type="arrow" w="med" len="med"/>
+            </a:ln>
+          </p:spPr>
+          <p:style>
+            <a:lnRef idx="2">
+              <a:schemeClr val="accent1">
+                <a:shade val="50000"/>
+              </a:schemeClr>
+            </a:lnRef>
+            <a:fillRef idx="1">
+              <a:schemeClr val="accent1"/>
+            </a:fillRef>
+            <a:effectRef idx="0">
+              <a:schemeClr val="accent1"/>
+            </a:effectRef>
+            <a:fontRef idx="minor">
+              <a:schemeClr val="lt1"/>
+            </a:fontRef>
+          </p:style>
+          <p:txBody>
+            <a:bodyPr rtlCol="0" anchor="ctr"/>
+            <a:lstStyle/>
+            <a:p>
+              <a:pPr algn="ctr"/>
+              <a:endParaRPr lang="en-US"/>
+            </a:p>
+          </p:txBody>
+        </p:sp>
+      </p:grpSp>
+      <p:grpSp>
+        <p:nvGrpSpPr>
+          <p:cNvPr id="40" name="Group 39"/>
+          <p:cNvGrpSpPr/>
+          <p:nvPr/>
+        </p:nvGrpSpPr>
+        <p:grpSpPr>
+          <a:xfrm>
+            <a:off x="7830935" y="921430"/>
+            <a:ext cx="2501792" cy="5045774"/>
+            <a:chOff x="7830935" y="921430"/>
+            <a:chExt cx="2501792" cy="5045774"/>
+          </a:xfrm>
+        </p:grpSpPr>
+        <p:sp>
+          <p:nvSpPr>
+            <p:cNvPr id="22" name="Rectangle 21"/>
+            <p:cNvSpPr/>
+            <p:nvPr/>
+          </p:nvSpPr>
+          <p:spPr>
+            <a:xfrm>
+              <a:off x="8560198" y="921430"/>
+              <a:ext cx="1772529" cy="1674056"/>
+            </a:xfrm>
+            <a:prstGeom prst="rect">
+              <a:avLst/>
+            </a:prstGeom>
+            <a:solidFill>
+              <a:srgbClr val="FFC000"/>
+            </a:solidFill>
+          </p:spPr>
+          <p:style>
+            <a:lnRef idx="2">
+              <a:schemeClr val="accent1">
+                <a:shade val="50000"/>
+              </a:schemeClr>
+            </a:lnRef>
+            <a:fillRef idx="1">
+              <a:schemeClr val="accent1"/>
+            </a:fillRef>
+            <a:effectRef idx="0">
+              <a:schemeClr val="accent1"/>
+            </a:effectRef>
+            <a:fontRef idx="minor">
+              <a:schemeClr val="lt1"/>
+            </a:fontRef>
+          </p:style>
+          <p:txBody>
+            <a:bodyPr rtlCol="0" anchor="ctr"/>
+            <a:lstStyle/>
+            <a:p>
+              <a:endParaRPr lang="en-US" dirty="0">
+                <a:solidFill>
+                  <a:schemeClr val="tx1"/>
+                </a:solidFill>
+              </a:endParaRPr>
+            </a:p>
+          </p:txBody>
+        </p:sp>
+        <p:sp>
+          <p:nvSpPr>
+            <p:cNvPr id="23" name="Rectangle 22"/>
+            <p:cNvSpPr/>
+            <p:nvPr/>
+          </p:nvSpPr>
+          <p:spPr>
+            <a:xfrm>
+              <a:off x="8532063" y="2623621"/>
+              <a:ext cx="1800664" cy="3343583"/>
+            </a:xfrm>
+            <a:prstGeom prst="rect">
+              <a:avLst/>
+            </a:prstGeom>
+            <a:solidFill>
+              <a:srgbClr val="FFFF00"/>
+            </a:solidFill>
+          </p:spPr>
+          <p:style>
+            <a:lnRef idx="2">
+              <a:schemeClr val="accent1">
+                <a:shade val="50000"/>
+              </a:schemeClr>
+            </a:lnRef>
+            <a:fillRef idx="1">
+              <a:schemeClr val="accent1"/>
+            </a:fillRef>
+            <a:effectRef idx="0">
+              <a:schemeClr val="accent1"/>
+            </a:effectRef>
+            <a:fontRef idx="minor">
+              <a:schemeClr val="lt1"/>
+            </a:fontRef>
+          </p:style>
+          <p:txBody>
+            <a:bodyPr rtlCol="0" anchor="ctr"/>
+            <a:lstStyle/>
+            <a:p>
+              <a:pPr algn="ctr"/>
+              <a:r>
+                <a:rPr lang="en-US" dirty="0" smtClean="0">
+                  <a:solidFill>
+                    <a:schemeClr val="tx1"/>
+                  </a:solidFill>
+                </a:rPr>
+                <a:t>Unused space</a:t>
+              </a:r>
+              <a:endParaRPr lang="en-US" dirty="0">
+                <a:solidFill>
+                  <a:schemeClr val="tx1"/>
+                </a:solidFill>
+              </a:endParaRPr>
+            </a:p>
+          </p:txBody>
+        </p:sp>
+        <p:sp>
+          <p:nvSpPr>
+            <p:cNvPr id="24" name="Rectangle 23"/>
+            <p:cNvSpPr/>
+            <p:nvPr/>
+          </p:nvSpPr>
+          <p:spPr>
+            <a:xfrm>
+              <a:off x="9120559" y="1570891"/>
+              <a:ext cx="633046" cy="393895"/>
+            </a:xfrm>
+            <a:prstGeom prst="rect">
+              <a:avLst/>
+            </a:prstGeom>
+            <a:noFill/>
+            <a:ln>
+              <a:solidFill>
+                <a:schemeClr val="tx1"/>
+              </a:solidFill>
+            </a:ln>
+          </p:spPr>
+          <p:style>
+            <a:lnRef idx="2">
+              <a:schemeClr val="accent1">
+                <a:shade val="50000"/>
+              </a:schemeClr>
+            </a:lnRef>
+            <a:fillRef idx="1">
+              <a:schemeClr val="accent1"/>
+            </a:fillRef>
+            <a:effectRef idx="0">
+              <a:schemeClr val="accent1"/>
+            </a:effectRef>
+            <a:fontRef idx="minor">
+              <a:schemeClr val="lt1"/>
+            </a:fontRef>
+          </p:style>
+          <p:txBody>
+            <a:bodyPr rtlCol="0" anchor="t"/>
+            <a:lstStyle/>
+            <a:p>
+              <a:r>
+                <a:rPr lang="en-US" dirty="0">
+                  <a:solidFill>
+                    <a:schemeClr val="tx1"/>
+                  </a:solidFill>
+                </a:rPr>
+                <a:t>p</a:t>
+              </a:r>
+            </a:p>
+          </p:txBody>
+        </p:sp>
+        <p:sp>
+          <p:nvSpPr>
+            <p:cNvPr id="25" name="Rectangle 24"/>
+            <p:cNvSpPr/>
+            <p:nvPr/>
+          </p:nvSpPr>
+          <p:spPr>
+            <a:xfrm>
+              <a:off x="8595367" y="3385626"/>
+              <a:ext cx="1674056" cy="98474"/>
+            </a:xfrm>
+            <a:prstGeom prst="rect">
+              <a:avLst/>
+            </a:prstGeom>
+            <a:solidFill>
+              <a:srgbClr val="FFFF00"/>
+            </a:solidFill>
+            <a:ln>
+              <a:solidFill>
+                <a:schemeClr val="bg1">
+                  <a:lumMod val="85000"/>
+                </a:schemeClr>
+              </a:solidFill>
+              <a:prstDash val="lgDash"/>
+            </a:ln>
+          </p:spPr>
+          <p:style>
+            <a:lnRef idx="2">
+              <a:schemeClr val="accent1">
+                <a:shade val="50000"/>
+              </a:schemeClr>
+            </a:lnRef>
+            <a:fillRef idx="1">
+              <a:schemeClr val="accent1"/>
+            </a:fillRef>
+            <a:effectRef idx="0">
+              <a:schemeClr val="accent1"/>
+            </a:effectRef>
+            <a:fontRef idx="minor">
+              <a:schemeClr val="lt1"/>
+            </a:fontRef>
+          </p:style>
+          <p:txBody>
+            <a:bodyPr rtlCol="0" anchor="ctr"/>
+            <a:lstStyle/>
+            <a:p>
+              <a:pPr algn="ctr"/>
+              <a:endParaRPr lang="en-US"/>
+            </a:p>
+          </p:txBody>
+        </p:sp>
+        <p:sp>
+          <p:nvSpPr>
+            <p:cNvPr id="26" name="Freeform 25"/>
+            <p:cNvSpPr/>
+            <p:nvPr/>
+          </p:nvSpPr>
+          <p:spPr>
+            <a:xfrm>
+              <a:off x="7830935" y="1781907"/>
+              <a:ext cx="1280248" cy="1575582"/>
+            </a:xfrm>
+            <a:custGeom>
+              <a:avLst/>
+              <a:gdLst>
+                <a:gd name="connsiteX0" fmla="*/ 1280248 w 1280248"/>
+                <a:gd name="connsiteY0" fmla="*/ 0 h 1575582"/>
+                <a:gd name="connsiteX1" fmla="*/ 858218 w 1280248"/>
+                <a:gd name="connsiteY1" fmla="*/ 407963 h 1575582"/>
+                <a:gd name="connsiteX2" fmla="*/ 88 w 1280248"/>
+                <a:gd name="connsiteY2" fmla="*/ 872197 h 1575582"/>
+                <a:gd name="connsiteX3" fmla="*/ 816015 w 1280248"/>
+                <a:gd name="connsiteY3" fmla="*/ 1575582 h 1575582"/>
+              </a:gdLst>
+              <a:ahLst/>
+              <a:cxnLst>
+                <a:cxn ang="0">
+                  <a:pos x="connsiteX0" y="connsiteY0"/>
+                </a:cxn>
+                <a:cxn ang="0">
+                  <a:pos x="connsiteX1" y="connsiteY1"/>
+                </a:cxn>
+                <a:cxn ang="0">
+                  <a:pos x="connsiteX2" y="connsiteY2"/>
+                </a:cxn>
+                <a:cxn ang="0">
+                  <a:pos x="connsiteX3" y="connsiteY3"/>
+                </a:cxn>
+              </a:cxnLst>
+              <a:rect l="l" t="t" r="r" b="b"/>
+              <a:pathLst>
+                <a:path w="1280248" h="1575582">
+                  <a:moveTo>
+                    <a:pt x="1280248" y="0"/>
+                  </a:moveTo>
+                  <a:cubicBezTo>
+                    <a:pt x="1175913" y="131298"/>
+                    <a:pt x="1071578" y="262597"/>
+                    <a:pt x="858218" y="407963"/>
+                  </a:cubicBezTo>
+                  <a:cubicBezTo>
+                    <a:pt x="644858" y="553329"/>
+                    <a:pt x="7122" y="677594"/>
+                    <a:pt x="88" y="872197"/>
+                  </a:cubicBezTo>
+                  <a:cubicBezTo>
+                    <a:pt x="-6946" y="1066800"/>
+                    <a:pt x="404534" y="1321191"/>
+                    <a:pt x="816015" y="1575582"/>
+                  </a:cubicBezTo>
+                </a:path>
+              </a:pathLst>
+            </a:custGeom>
+            <a:ln w="9525" cap="flat" cmpd="sng" algn="ctr">
+              <a:solidFill>
+                <a:schemeClr val="accent2"/>
+              </a:solidFill>
+              <a:prstDash val="dash"/>
+              <a:round/>
+              <a:headEnd type="none" w="med" len="med"/>
+              <a:tailEnd type="arrow" w="med" len="med"/>
+            </a:ln>
+          </p:spPr>
+          <p:style>
+            <a:lnRef idx="0">
+              <a:scrgbClr r="0" g="0" b="0"/>
+            </a:lnRef>
+            <a:fillRef idx="0">
+              <a:scrgbClr r="0" g="0" b="0"/>
+            </a:fillRef>
+            <a:effectRef idx="0">
+              <a:scrgbClr r="0" g="0" b="0"/>
+            </a:effectRef>
+            <a:fontRef idx="minor">
+              <a:schemeClr val="tx1"/>
+            </a:fontRef>
+          </p:style>
+          <p:txBody>
+            <a:bodyPr rtlCol="0" anchor="ctr"/>
+            <a:lstStyle/>
+            <a:p>
+              <a:pPr algn="ctr"/>
+              <a:endParaRPr lang="en-US"/>
+            </a:p>
+          </p:txBody>
+        </p:sp>
+        <p:sp>
+          <p:nvSpPr>
+            <p:cNvPr id="27" name="Rectangle 26"/>
+            <p:cNvSpPr/>
+            <p:nvPr/>
+          </p:nvSpPr>
+          <p:spPr>
+            <a:xfrm>
+              <a:off x="9101811" y="2145318"/>
+              <a:ext cx="633046" cy="393895"/>
+            </a:xfrm>
+            <a:prstGeom prst="rect">
+              <a:avLst/>
+            </a:prstGeom>
+            <a:noFill/>
+            <a:ln>
+              <a:solidFill>
+                <a:schemeClr val="tx1"/>
+              </a:solidFill>
+            </a:ln>
+          </p:spPr>
+          <p:style>
+            <a:lnRef idx="2">
+              <a:schemeClr val="accent1">
+                <a:shade val="50000"/>
+              </a:schemeClr>
+            </a:lnRef>
+            <a:fillRef idx="1">
+              <a:schemeClr val="accent1"/>
+            </a:fillRef>
+            <a:effectRef idx="0">
+              <a:schemeClr val="accent1"/>
+            </a:effectRef>
+            <a:fontRef idx="minor">
+              <a:schemeClr val="lt1"/>
+            </a:fontRef>
+          </p:style>
+          <p:txBody>
+            <a:bodyPr rtlCol="0" anchor="t"/>
+            <a:lstStyle/>
+            <a:p>
+              <a:r>
+                <a:rPr lang="en-US" dirty="0" smtClean="0">
+                  <a:solidFill>
+                    <a:schemeClr val="tx1"/>
+                  </a:solidFill>
+                </a:rPr>
+                <a:t>q</a:t>
+              </a:r>
+              <a:endParaRPr lang="en-US" dirty="0">
+                <a:solidFill>
+                  <a:schemeClr val="tx1"/>
+                </a:solidFill>
+              </a:endParaRPr>
+            </a:p>
+          </p:txBody>
+        </p:sp>
+        <p:sp>
+          <p:nvSpPr>
+            <p:cNvPr id="28" name="Rectangle 27"/>
+            <p:cNvSpPr/>
+            <p:nvPr/>
+          </p:nvSpPr>
+          <p:spPr>
+            <a:xfrm>
+              <a:off x="8954106" y="2860428"/>
+              <a:ext cx="618964" cy="119577"/>
+            </a:xfrm>
+            <a:prstGeom prst="rect">
+              <a:avLst/>
+            </a:prstGeom>
+            <a:pattFill prst="plaid">
+              <a:fgClr>
+                <a:srgbClr val="FFC000"/>
+              </a:fgClr>
+              <a:bgClr>
+                <a:schemeClr val="bg1"/>
+              </a:bgClr>
+            </a:pattFill>
+          </p:spPr>
+          <p:style>
+            <a:lnRef idx="2">
+              <a:schemeClr val="accent1">
+                <a:shade val="50000"/>
+              </a:schemeClr>
+            </a:lnRef>
+            <a:fillRef idx="1">
+              <a:schemeClr val="accent1"/>
+            </a:fillRef>
+            <a:effectRef idx="0">
+              <a:schemeClr val="accent1"/>
+            </a:effectRef>
+            <a:fontRef idx="minor">
+              <a:schemeClr val="lt1"/>
+            </a:fontRef>
+          </p:style>
+          <p:txBody>
+            <a:bodyPr rtlCol="0" anchor="ctr"/>
+            <a:lstStyle/>
+            <a:p>
+              <a:pPr algn="ctr"/>
+              <a:endParaRPr lang="en-US"/>
+            </a:p>
+          </p:txBody>
+        </p:sp>
+        <p:sp>
+          <p:nvSpPr>
+            <p:cNvPr id="29" name="Freeform 28"/>
+            <p:cNvSpPr/>
+            <p:nvPr/>
+          </p:nvSpPr>
+          <p:spPr>
+            <a:xfrm>
+              <a:off x="8744520" y="2375094"/>
+              <a:ext cx="397139" cy="492369"/>
+            </a:xfrm>
+            <a:custGeom>
+              <a:avLst/>
+              <a:gdLst>
+                <a:gd name="connsiteX0" fmla="*/ 397139 w 397139"/>
+                <a:gd name="connsiteY0" fmla="*/ 0 h 492369"/>
+                <a:gd name="connsiteX1" fmla="*/ 3243 w 397139"/>
+                <a:gd name="connsiteY1" fmla="*/ 168812 h 492369"/>
+                <a:gd name="connsiteX2" fmla="*/ 242394 w 397139"/>
+                <a:gd name="connsiteY2" fmla="*/ 492369 h 492369"/>
+              </a:gdLst>
+              <a:ahLst/>
+              <a:cxnLst>
+                <a:cxn ang="0">
+                  <a:pos x="connsiteX0" y="connsiteY0"/>
+                </a:cxn>
+                <a:cxn ang="0">
+                  <a:pos x="connsiteX1" y="connsiteY1"/>
+                </a:cxn>
+                <a:cxn ang="0">
+                  <a:pos x="connsiteX2" y="connsiteY2"/>
+                </a:cxn>
+              </a:cxnLst>
+              <a:rect l="l" t="t" r="r" b="b"/>
+              <a:pathLst>
+                <a:path w="397139" h="492369">
+                  <a:moveTo>
+                    <a:pt x="397139" y="0"/>
+                  </a:moveTo>
+                  <a:cubicBezTo>
+                    <a:pt x="213086" y="43375"/>
+                    <a:pt x="29034" y="86751"/>
+                    <a:pt x="3243" y="168812"/>
+                  </a:cubicBezTo>
+                  <a:cubicBezTo>
+                    <a:pt x="-22548" y="250873"/>
+                    <a:pt x="109923" y="371621"/>
+                    <a:pt x="242394" y="492369"/>
+                  </a:cubicBezTo>
+                </a:path>
+              </a:pathLst>
+            </a:custGeom>
+            <a:noFill/>
+            <a:ln>
+              <a:headEnd type="none" w="med" len="med"/>
+              <a:tailEnd type="arrow" w="med" len="med"/>
+            </a:ln>
+          </p:spPr>
+          <p:style>
+            <a:lnRef idx="2">
+              <a:schemeClr val="accent1">
+                <a:shade val="50000"/>
+              </a:schemeClr>
+            </a:lnRef>
+            <a:fillRef idx="1">
+              <a:schemeClr val="accent1"/>
+            </a:fillRef>
+            <a:effectRef idx="0">
+              <a:schemeClr val="accent1"/>
+            </a:effectRef>
+            <a:fontRef idx="minor">
+              <a:schemeClr val="lt1"/>
+            </a:fontRef>
+          </p:style>
+          <p:txBody>
+            <a:bodyPr rtlCol="0" anchor="ctr"/>
+            <a:lstStyle/>
+            <a:p>
+              <a:pPr algn="ctr"/>
+              <a:endParaRPr lang="en-US"/>
+            </a:p>
+          </p:txBody>
+        </p:sp>
+      </p:grpSp>
+      <p:grpSp>
+        <p:nvGrpSpPr>
+          <p:cNvPr id="35" name="Group 34"/>
+          <p:cNvGrpSpPr/>
+          <p:nvPr/>
+        </p:nvGrpSpPr>
+        <p:grpSpPr>
+          <a:xfrm>
+            <a:off x="1983542" y="281352"/>
+            <a:ext cx="1502900" cy="1123070"/>
+            <a:chOff x="1983542" y="281352"/>
+            <a:chExt cx="1502900" cy="1123070"/>
+          </a:xfrm>
+        </p:grpSpPr>
+        <p:sp>
+          <p:nvSpPr>
+            <p:cNvPr id="7" name="TextBox 6"/>
+            <p:cNvSpPr txBox="1"/>
+            <p:nvPr/>
+          </p:nvSpPr>
+          <p:spPr>
+            <a:xfrm>
+              <a:off x="1983542" y="281352"/>
+              <a:ext cx="1502900" cy="369332"/>
+            </a:xfrm>
+            <a:prstGeom prst="rect">
+              <a:avLst/>
+            </a:prstGeom>
+            <a:noFill/>
+          </p:spPr>
+          <p:txBody>
+            <a:bodyPr wrap="square" rtlCol="0">
+              <a:spAutoFit/>
+            </a:bodyPr>
+            <a:lstStyle/>
+            <a:p>
+              <a:r>
+                <a:rPr lang="en-US" dirty="0"/>
+                <a:t>p</a:t>
+              </a:r>
+              <a:r>
+                <a:rPr lang="en-US" dirty="0" smtClean="0"/>
+                <a:t> =</a:t>
+              </a:r>
+              <a:r>
+                <a:rPr lang="en-US" dirty="0" err="1" smtClean="0"/>
+                <a:t>malloc</a:t>
+              </a:r>
+              <a:r>
+                <a:rPr lang="en-US" dirty="0" smtClean="0"/>
+                <a:t>( … )</a:t>
+              </a:r>
+              <a:endParaRPr lang="en-US" dirty="0"/>
+            </a:p>
+          </p:txBody>
+        </p:sp>
+        <p:cxnSp>
+          <p:nvCxnSpPr>
+            <p:cNvPr id="32" name="Straight Arrow Connector 31"/>
+            <p:cNvCxnSpPr/>
+            <p:nvPr/>
+          </p:nvCxnSpPr>
+          <p:spPr>
+            <a:xfrm flipV="1">
+              <a:off x="2293034" y="1397387"/>
+              <a:ext cx="562708" cy="7035"/>
+            </a:xfrm>
+            <a:prstGeom prst="straightConnector1">
+              <a:avLst/>
+            </a:prstGeom>
+            <a:ln>
+              <a:tailEnd type="triangle"/>
+            </a:ln>
+          </p:spPr>
+          <p:style>
+            <a:lnRef idx="1">
+              <a:schemeClr val="accent1"/>
+            </a:lnRef>
+            <a:fillRef idx="0">
+              <a:schemeClr val="accent1"/>
+            </a:fillRef>
+            <a:effectRef idx="0">
+              <a:schemeClr val="accent1"/>
+            </a:effectRef>
+            <a:fontRef idx="minor">
+              <a:schemeClr val="tx1"/>
+            </a:fontRef>
+          </p:style>
+        </p:cxnSp>
+      </p:grpSp>
+      <p:grpSp>
+        <p:nvGrpSpPr>
+          <p:cNvPr id="36" name="Group 35"/>
+          <p:cNvGrpSpPr/>
+          <p:nvPr/>
+        </p:nvGrpSpPr>
+        <p:grpSpPr>
+          <a:xfrm>
+            <a:off x="4794737" y="307141"/>
+            <a:ext cx="1502900" cy="1080866"/>
+            <a:chOff x="4794737" y="307141"/>
+            <a:chExt cx="1502900" cy="1080866"/>
+          </a:xfrm>
+        </p:grpSpPr>
+        <p:sp>
+          <p:nvSpPr>
+            <p:cNvPr id="21" name="TextBox 20"/>
+            <p:cNvSpPr txBox="1"/>
+            <p:nvPr/>
+          </p:nvSpPr>
+          <p:spPr>
+            <a:xfrm>
+              <a:off x="4794737" y="307141"/>
+              <a:ext cx="1502900" cy="369332"/>
+            </a:xfrm>
+            <a:prstGeom prst="rect">
+              <a:avLst/>
+            </a:prstGeom>
+            <a:noFill/>
+          </p:spPr>
+          <p:txBody>
+            <a:bodyPr wrap="square" rtlCol="0">
+              <a:spAutoFit/>
+            </a:bodyPr>
+            <a:lstStyle/>
+            <a:p>
+              <a:r>
+                <a:rPr lang="en-US" dirty="0"/>
+                <a:t>q</a:t>
+              </a:r>
+              <a:r>
+                <a:rPr lang="en-US" dirty="0" smtClean="0"/>
+                <a:t> =</a:t>
+              </a:r>
+              <a:r>
+                <a:rPr lang="en-US" dirty="0" err="1" smtClean="0"/>
+                <a:t>malloc</a:t>
+              </a:r>
+              <a:r>
+                <a:rPr lang="en-US" dirty="0" smtClean="0"/>
+                <a:t>( … )</a:t>
+              </a:r>
+              <a:endParaRPr lang="en-US" dirty="0"/>
+            </a:p>
+          </p:txBody>
+        </p:sp>
+        <p:cxnSp>
+          <p:nvCxnSpPr>
+            <p:cNvPr id="33" name="Straight Arrow Connector 32"/>
+            <p:cNvCxnSpPr/>
+            <p:nvPr/>
+          </p:nvCxnSpPr>
+          <p:spPr>
+            <a:xfrm flipV="1">
+              <a:off x="5104232" y="1380972"/>
+              <a:ext cx="562708" cy="7035"/>
+            </a:xfrm>
+            <a:prstGeom prst="straightConnector1">
+              <a:avLst/>
+            </a:prstGeom>
+            <a:ln>
+              <a:tailEnd type="triangle"/>
+            </a:ln>
+          </p:spPr>
+          <p:style>
+            <a:lnRef idx="1">
+              <a:schemeClr val="accent1"/>
+            </a:lnRef>
+            <a:fillRef idx="0">
+              <a:schemeClr val="accent1"/>
+            </a:fillRef>
+            <a:effectRef idx="0">
+              <a:schemeClr val="accent1"/>
+            </a:effectRef>
+            <a:fontRef idx="minor">
+              <a:schemeClr val="tx1"/>
+            </a:fontRef>
+          </p:style>
+        </p:cxnSp>
+      </p:grpSp>
+      <p:grpSp>
+        <p:nvGrpSpPr>
+          <p:cNvPr id="37" name="Group 36"/>
+          <p:cNvGrpSpPr/>
+          <p:nvPr/>
+        </p:nvGrpSpPr>
+        <p:grpSpPr>
+          <a:xfrm>
+            <a:off x="7802886" y="276662"/>
+            <a:ext cx="941634" cy="1080863"/>
+            <a:chOff x="7802886" y="276662"/>
+            <a:chExt cx="941634" cy="1080863"/>
+          </a:xfrm>
+        </p:grpSpPr>
+        <p:sp>
+          <p:nvSpPr>
+            <p:cNvPr id="30" name="TextBox 29"/>
+            <p:cNvSpPr txBox="1"/>
+            <p:nvPr/>
+          </p:nvSpPr>
+          <p:spPr>
+            <a:xfrm>
+              <a:off x="7859154" y="276662"/>
+              <a:ext cx="885366" cy="369332"/>
+            </a:xfrm>
+            <a:prstGeom prst="rect">
+              <a:avLst/>
+            </a:prstGeom>
+            <a:noFill/>
+          </p:spPr>
+          <p:txBody>
+            <a:bodyPr wrap="square" rtlCol="0">
+              <a:spAutoFit/>
+            </a:bodyPr>
+            <a:lstStyle/>
+            <a:p>
+              <a:r>
+                <a:rPr lang="en-US" dirty="0"/>
+                <a:t>f</a:t>
+              </a:r>
+              <a:r>
+                <a:rPr lang="en-US" dirty="0" smtClean="0"/>
+                <a:t>ree(p)</a:t>
+              </a:r>
+              <a:endParaRPr lang="en-US" dirty="0"/>
+            </a:p>
+          </p:txBody>
+        </p:sp>
+        <p:cxnSp>
+          <p:nvCxnSpPr>
+            <p:cNvPr id="34" name="Straight Arrow Connector 33"/>
+            <p:cNvCxnSpPr/>
+            <p:nvPr/>
+          </p:nvCxnSpPr>
+          <p:spPr>
+            <a:xfrm flipV="1">
+              <a:off x="7802886" y="1350490"/>
+              <a:ext cx="562708" cy="7035"/>
+            </a:xfrm>
+            <a:prstGeom prst="straightConnector1">
+              <a:avLst/>
+            </a:prstGeom>
+            <a:ln>
+              <a:tailEnd type="triangle"/>
+            </a:ln>
+          </p:spPr>
+          <p:style>
+            <a:lnRef idx="1">
+              <a:schemeClr val="accent1"/>
+            </a:lnRef>
+            <a:fillRef idx="0">
+              <a:schemeClr val="accent1"/>
+            </a:fillRef>
+            <a:effectRef idx="0">
+              <a:schemeClr val="accent1"/>
+            </a:effectRef>
+            <a:fontRef idx="minor">
+              <a:schemeClr val="tx1"/>
+            </a:fontRef>
+          </p:style>
+        </p:cxnSp>
+      </p:grpSp>
+      <p:grpSp>
+        <p:nvGrpSpPr>
+          <p:cNvPr id="44" name="Group 43"/>
+          <p:cNvGrpSpPr/>
+          <p:nvPr/>
+        </p:nvGrpSpPr>
+        <p:grpSpPr>
+          <a:xfrm>
+            <a:off x="9995107" y="2920216"/>
+            <a:ext cx="2196893" cy="3046988"/>
+            <a:chOff x="9995107" y="2920216"/>
+            <a:chExt cx="2196893" cy="3046988"/>
+          </a:xfrm>
+          <a:solidFill>
+            <a:schemeClr val="accent1">
+              <a:lumMod val="20000"/>
+              <a:lumOff val="80000"/>
+            </a:schemeClr>
+          </a:solidFill>
+        </p:grpSpPr>
+        <p:sp>
+          <p:nvSpPr>
+            <p:cNvPr id="41" name="TextBox 40"/>
+            <p:cNvSpPr txBox="1"/>
+            <p:nvPr/>
+          </p:nvSpPr>
+          <p:spPr>
+            <a:xfrm>
+              <a:off x="10396031" y="2920216"/>
+              <a:ext cx="1795969" cy="3046988"/>
+            </a:xfrm>
+            <a:prstGeom prst="rect">
+              <a:avLst/>
+            </a:prstGeom>
+            <a:grpFill/>
+            <a:ln>
+              <a:noFill/>
+            </a:ln>
+          </p:spPr>
+          <p:style>
+            <a:lnRef idx="0">
+              <a:scrgbClr r="0" g="0" b="0"/>
+            </a:lnRef>
+            <a:fillRef idx="0">
+              <a:scrgbClr r="0" g="0" b="0"/>
+            </a:fillRef>
+            <a:effectRef idx="0">
+              <a:scrgbClr r="0" g="0" b="0"/>
+            </a:effectRef>
+            <a:fontRef idx="minor">
+              <a:schemeClr val="lt1"/>
+            </a:fontRef>
+          </p:style>
+          <p:txBody>
+            <a:bodyPr wrap="square" rtlCol="0">
+              <a:spAutoFit/>
+            </a:bodyPr>
+            <a:lstStyle/>
+            <a:p>
+              <a:r>
+                <a:rPr lang="en-US" sz="1600" dirty="0" smtClean="0">
+                  <a:solidFill>
+                    <a:schemeClr val="tx1"/>
+                  </a:solidFill>
+                </a:rPr>
+                <a:t>This space is not usable anymore, </a:t>
+              </a:r>
+              <a:r>
+                <a:rPr lang="en-US" sz="1600" dirty="0" smtClean="0">
+                  <a:solidFill>
+                    <a:schemeClr val="tx1"/>
+                  </a:solidFill>
+                  <a:latin typeface="Courier New" panose="02070309020205020404" pitchFamily="49" charset="0"/>
+                  <a:cs typeface="Courier New" panose="02070309020205020404" pitchFamily="49" charset="0"/>
+                </a:rPr>
+                <a:t>free() </a:t>
+              </a:r>
+              <a:r>
+                <a:rPr lang="en-US" sz="1600" dirty="0" smtClean="0">
+                  <a:solidFill>
+                    <a:schemeClr val="tx1"/>
+                  </a:solidFill>
+                </a:rPr>
+                <a:t> returns it back to the unused space pool</a:t>
+              </a:r>
+            </a:p>
+            <a:p>
+              <a:endParaRPr lang="en-US" sz="1600" dirty="0">
+                <a:solidFill>
+                  <a:schemeClr val="tx1"/>
+                </a:solidFill>
+              </a:endParaRPr>
+            </a:p>
+            <a:p>
+              <a:r>
+                <a:rPr lang="en-US" sz="1600" dirty="0" smtClean="0">
+                  <a:solidFill>
+                    <a:schemeClr val="tx1"/>
+                  </a:solidFill>
+                </a:rPr>
+                <a:t>i.e., the address in p is not usable anymore</a:t>
+              </a:r>
+            </a:p>
+            <a:p>
+              <a:endParaRPr lang="en-US" sz="1600" dirty="0">
+                <a:solidFill>
+                  <a:schemeClr val="tx1"/>
+                </a:solidFill>
+              </a:endParaRPr>
+            </a:p>
+            <a:p>
+              <a:r>
+                <a:rPr lang="en-US" sz="1600" b="1" dirty="0" smtClean="0">
+                  <a:solidFill>
+                    <a:schemeClr val="tx1"/>
+                  </a:solidFill>
+                  <a:latin typeface="Courier New" panose="02070309020205020404" pitchFamily="49" charset="0"/>
+                  <a:cs typeface="Courier New" panose="02070309020205020404" pitchFamily="49" charset="0"/>
+                </a:rPr>
+                <a:t>*p=52</a:t>
+              </a:r>
+              <a:r>
+                <a:rPr lang="en-US" sz="1600" dirty="0" smtClean="0">
+                  <a:solidFill>
+                    <a:schemeClr val="tx1"/>
+                  </a:solidFill>
+                </a:rPr>
+                <a:t> would be illegal!</a:t>
+              </a:r>
+              <a:endParaRPr lang="en-US" sz="1600" dirty="0">
+                <a:solidFill>
+                  <a:schemeClr val="tx1"/>
+                </a:solidFill>
+              </a:endParaRPr>
+            </a:p>
+          </p:txBody>
+        </p:sp>
+        <p:cxnSp>
+          <p:nvCxnSpPr>
+            <p:cNvPr id="43" name="Straight Arrow Connector 42"/>
+            <p:cNvCxnSpPr/>
+            <p:nvPr/>
+          </p:nvCxnSpPr>
+          <p:spPr>
+            <a:xfrm flipH="1">
+              <a:off x="9995107" y="2980005"/>
+              <a:ext cx="400924" cy="405621"/>
+            </a:xfrm>
+            <a:prstGeom prst="straightConnector1">
+              <a:avLst/>
+            </a:prstGeom>
+            <a:grpFill/>
+            <a:ln>
+              <a:tailEnd type="triangle"/>
+            </a:ln>
+          </p:spPr>
+          <p:style>
+            <a:lnRef idx="1">
+              <a:schemeClr val="accent1"/>
+            </a:lnRef>
+            <a:fillRef idx="0">
+              <a:schemeClr val="accent1"/>
+            </a:fillRef>
+            <a:effectRef idx="0">
+              <a:schemeClr val="accent1"/>
+            </a:effectRef>
+            <a:fontRef idx="minor">
+              <a:schemeClr val="tx1"/>
+            </a:fontRef>
+          </p:style>
+        </p:cxnSp>
+      </p:grpSp>
+      <p:sp>
+        <p:nvSpPr>
+          <p:cNvPr id="46" name="Title 45"/>
+          <p:cNvSpPr>
+            <a:spLocks noGrp="1"/>
+          </p:cNvSpPr>
+          <p:nvPr>
+            <p:ph type="title"/>
+          </p:nvPr>
+        </p:nvSpPr>
+        <p:spPr>
+          <a:xfrm>
+            <a:off x="127786" y="6118385"/>
+            <a:ext cx="10515600" cy="617254"/>
+          </a:xfrm>
+        </p:spPr>
+        <p:txBody>
+          <a:bodyPr>
+            <a:noAutofit/>
+          </a:bodyPr>
+          <a:lstStyle/>
+          <a:p>
+            <a:pPr algn="ctr"/>
+            <a:r>
+              <a:rPr lang="en-US" sz="3600" dirty="0"/>
+              <a:t>Visualizing </a:t>
+            </a:r>
+            <a:r>
+              <a:rPr lang="en-US" sz="3600" dirty="0" smtClean="0"/>
+              <a:t>how  </a:t>
+            </a:r>
+            <a:r>
+              <a:rPr lang="en-US" sz="3600" dirty="0" err="1">
+                <a:latin typeface="Courier New" panose="02070309020205020404" pitchFamily="49" charset="0"/>
+                <a:cs typeface="Courier New" panose="02070309020205020404" pitchFamily="49" charset="0"/>
+              </a:rPr>
+              <a:t>malloc</a:t>
+            </a:r>
+            <a:r>
+              <a:rPr lang="en-US" sz="3600" dirty="0">
+                <a:latin typeface="Courier New" panose="02070309020205020404" pitchFamily="49" charset="0"/>
+                <a:cs typeface="Courier New" panose="02070309020205020404" pitchFamily="49" charset="0"/>
+              </a:rPr>
+              <a:t>()</a:t>
+            </a:r>
+            <a:r>
+              <a:rPr lang="en-US" sz="3600" dirty="0"/>
+              <a:t>  and  </a:t>
+            </a:r>
+            <a:r>
+              <a:rPr lang="en-US" sz="3600" dirty="0">
+                <a:latin typeface="Courier New" panose="02070309020205020404" pitchFamily="49" charset="0"/>
+                <a:cs typeface="Courier New" panose="02070309020205020404" pitchFamily="49" charset="0"/>
+              </a:rPr>
+              <a:t>free()</a:t>
+            </a:r>
+            <a:r>
+              <a:rPr lang="en-US" sz="3600" dirty="0"/>
+              <a:t> </a:t>
+            </a:r>
+            <a:r>
+              <a:rPr lang="en-US" sz="3600" dirty="0" smtClean="0"/>
+              <a:t>may work</a:t>
+            </a:r>
+            <a:endParaRPr lang="en-US" sz="3600" dirty="0"/>
+          </a:p>
+        </p:txBody>
+      </p:sp>
+    </p:spTree>
+    <p:extLst>
+      <p:ext uri="{BB962C8B-B14F-4D97-AF65-F5344CB8AC3E}">
+        <p14:creationId xmlns:p14="http://schemas.microsoft.com/office/powerpoint/2010/main" val="1573847615"/>
+      </p:ext>
+    </p:extLst>
+  </p:cSld>
+  <p:clrMapOvr>
+    <a:masterClrMapping/>
+  </p:clrMapOvr>
+  <p:timing>
+    <p:tnLst>
+      <p:par>
+        <p:cTn id="1" dur="indefinite" restart="never" nodeType="tmRoot">
+          <p:childTnLst>
+            <p:seq concurrent="1" nextAc="seek">
+              <p:cTn id="2" dur="indefinite" nodeType="mainSeq">
+                <p:childTnLst>
+                  <p:par>
+                    <p:cTn id="3" fill="hold">
+                      <p:stCondLst>
+                        <p:cond delay="indefinite"/>
+                      </p:stCondLst>
+                      <p:childTnLst>
+                        <p:par>
+                          <p:cTn id="4" fill="hold">
+                            <p:stCondLst>
+                              <p:cond delay="0"/>
+                            </p:stCondLst>
+                            <p:childTnLst>
+                              <p:par>
+                                <p:cTn id="5" presetID="1" presetClass="entr" presetSubtype="0" fill="hold" nodeType="clickEffect">
+                                  <p:stCondLst>
+                                    <p:cond delay="0"/>
+                                  </p:stCondLst>
+                                  <p:childTnLst>
+                                    <p:set>
+                                      <p:cBhvr>
+                                        <p:cTn id="6" dur="1" fill="hold">
+                                          <p:stCondLst>
+                                            <p:cond delay="0"/>
+                                          </p:stCondLst>
+                                        </p:cTn>
+                                        <p:tgtEl>
+                                          <p:spTgt spid="35"/>
+                                        </p:tgtEl>
+                                        <p:attrNameLst>
+                                          <p:attrName>style.visibility</p:attrName>
+                                        </p:attrNameLst>
+                                      </p:cBhvr>
+                                      <p:to>
+                                        <p:strVal val="visible"/>
+                                      </p:to>
+                                    </p:set>
+                                  </p:childTnLst>
+                                </p:cTn>
+                              </p:par>
+                            </p:childTnLst>
+                          </p:cTn>
+                        </p:par>
+                      </p:childTnLst>
+                    </p:cTn>
+                  </p:par>
+                  <p:par>
+                    <p:cTn id="7" fill="hold">
+                      <p:stCondLst>
+                        <p:cond delay="indefinite"/>
+                      </p:stCondLst>
+                      <p:childTnLst>
+                        <p:par>
+                          <p:cTn id="8" fill="hold">
+                            <p:stCondLst>
+                              <p:cond delay="0"/>
+                            </p:stCondLst>
+                            <p:childTnLst>
+                              <p:par>
+                                <p:cTn id="9" presetID="10" presetClass="entr" presetSubtype="0" fill="hold" nodeType="clickEffect">
+                                  <p:stCondLst>
+                                    <p:cond delay="0"/>
+                                  </p:stCondLst>
+                                  <p:childTnLst>
+                                    <p:set>
+                                      <p:cBhvr>
+                                        <p:cTn id="10" dur="1" fill="hold">
+                                          <p:stCondLst>
+                                            <p:cond delay="0"/>
+                                          </p:stCondLst>
+                                        </p:cTn>
+                                        <p:tgtEl>
+                                          <p:spTgt spid="38"/>
+                                        </p:tgtEl>
+                                        <p:attrNameLst>
+                                          <p:attrName>style.visibility</p:attrName>
+                                        </p:attrNameLst>
+                                      </p:cBhvr>
+                                      <p:to>
+                                        <p:strVal val="visible"/>
+                                      </p:to>
+                                    </p:set>
+                                    <p:animEffect transition="in" filter="fade">
+                                      <p:cBhvr>
+                                        <p:cTn id="11" dur="500"/>
+                                        <p:tgtEl>
+                                          <p:spTgt spid="38"/>
+                                        </p:tgtEl>
+                                      </p:cBhvr>
+                                    </p:animEffect>
+                                  </p:childTnLst>
+                                </p:cTn>
+                              </p:par>
+                            </p:childTnLst>
+                          </p:cTn>
+                        </p:par>
+                      </p:childTnLst>
+                    </p:cTn>
+                  </p:par>
+                  <p:par>
+                    <p:cTn id="12" fill="hold">
+                      <p:stCondLst>
+                        <p:cond delay="indefinite"/>
+                      </p:stCondLst>
+                      <p:childTnLst>
+                        <p:par>
+                          <p:cTn id="13" fill="hold">
+                            <p:stCondLst>
+                              <p:cond delay="0"/>
+                            </p:stCondLst>
+                            <p:childTnLst>
+                              <p:par>
+                                <p:cTn id="14" presetID="1" presetClass="entr" presetSubtype="0" fill="hold" nodeType="clickEffect">
+                                  <p:stCondLst>
+                                    <p:cond delay="0"/>
+                                  </p:stCondLst>
+                                  <p:childTnLst>
+                                    <p:set>
+                                      <p:cBhvr>
+                                        <p:cTn id="15" dur="1" fill="hold">
+                                          <p:stCondLst>
+                                            <p:cond delay="0"/>
+                                          </p:stCondLst>
+                                        </p:cTn>
+                                        <p:tgtEl>
+                                          <p:spTgt spid="36"/>
+                                        </p:tgtEl>
+                                        <p:attrNameLst>
+                                          <p:attrName>style.visibility</p:attrName>
+                                        </p:attrNameLst>
+                                      </p:cBhvr>
+                                      <p:to>
+                                        <p:strVal val="visible"/>
+                                      </p:to>
+                                    </p:set>
+                                  </p:childTnLst>
+                                </p:cTn>
+                              </p:par>
+                            </p:childTnLst>
+                          </p:cTn>
+                        </p:par>
+                      </p:childTnLst>
+                    </p:cTn>
+                  </p:par>
+                  <p:par>
+                    <p:cTn id="16" fill="hold">
+                      <p:stCondLst>
+                        <p:cond delay="indefinite"/>
+                      </p:stCondLst>
+                      <p:childTnLst>
+                        <p:par>
+                          <p:cTn id="17" fill="hold">
+                            <p:stCondLst>
+                              <p:cond delay="0"/>
+                            </p:stCondLst>
+                            <p:childTnLst>
+                              <p:par>
+                                <p:cTn id="18" presetID="10" presetClass="entr" presetSubtype="0" fill="hold" nodeType="clickEffect">
+                                  <p:stCondLst>
+                                    <p:cond delay="0"/>
+                                  </p:stCondLst>
+                                  <p:childTnLst>
+                                    <p:set>
+                                      <p:cBhvr>
+                                        <p:cTn id="19" dur="1" fill="hold">
+                                          <p:stCondLst>
+                                            <p:cond delay="0"/>
+                                          </p:stCondLst>
+                                        </p:cTn>
+                                        <p:tgtEl>
+                                          <p:spTgt spid="39"/>
+                                        </p:tgtEl>
+                                        <p:attrNameLst>
+                                          <p:attrName>style.visibility</p:attrName>
+                                        </p:attrNameLst>
+                                      </p:cBhvr>
+                                      <p:to>
+                                        <p:strVal val="visible"/>
+                                      </p:to>
+                                    </p:set>
+                                    <p:animEffect transition="in" filter="fade">
+                                      <p:cBhvr>
+                                        <p:cTn id="20" dur="500"/>
+                                        <p:tgtEl>
+                                          <p:spTgt spid="39"/>
+                                        </p:tgtEl>
+                                      </p:cBhvr>
+                                    </p:animEffect>
+                                  </p:childTnLst>
+                                </p:cTn>
+                              </p:par>
+                            </p:childTnLst>
+                          </p:cTn>
+                        </p:par>
+                      </p:childTnLst>
+                    </p:cTn>
+                  </p:par>
+                  <p:par>
+                    <p:cTn id="21" fill="hold">
+                      <p:stCondLst>
+                        <p:cond delay="indefinite"/>
+                      </p:stCondLst>
+                      <p:childTnLst>
+                        <p:par>
+                          <p:cTn id="22" fill="hold">
+                            <p:stCondLst>
+                              <p:cond delay="0"/>
+                            </p:stCondLst>
+                            <p:childTnLst>
+                              <p:par>
+                                <p:cTn id="23" presetID="1" presetClass="entr" presetSubtype="0" fill="hold" nodeType="clickEffect">
+                                  <p:stCondLst>
+                                    <p:cond delay="0"/>
+                                  </p:stCondLst>
+                                  <p:childTnLst>
+                                    <p:set>
+                                      <p:cBhvr>
+                                        <p:cTn id="24" dur="1" fill="hold">
+                                          <p:stCondLst>
+                                            <p:cond delay="0"/>
+                                          </p:stCondLst>
+                                        </p:cTn>
+                                        <p:tgtEl>
+                                          <p:spTgt spid="37"/>
+                                        </p:tgtEl>
+                                        <p:attrNameLst>
+                                          <p:attrName>style.visibility</p:attrName>
+                                        </p:attrNameLst>
+                                      </p:cBhvr>
+                                      <p:to>
+                                        <p:strVal val="visible"/>
+                                      </p:to>
+                                    </p:set>
+                                  </p:childTnLst>
+                                </p:cTn>
+                              </p:par>
+                            </p:childTnLst>
+                          </p:cTn>
+                        </p:par>
+                      </p:childTnLst>
+                    </p:cTn>
+                  </p:par>
+                  <p:par>
+                    <p:cTn id="25" fill="hold">
+                      <p:stCondLst>
+                        <p:cond delay="indefinite"/>
+                      </p:stCondLst>
+                      <p:childTnLst>
+                        <p:par>
+                          <p:cTn id="26" fill="hold">
+                            <p:stCondLst>
+                              <p:cond delay="0"/>
+                            </p:stCondLst>
+                            <p:childTnLst>
+                              <p:par>
+                                <p:cTn id="27" presetID="10" presetClass="entr" presetSubtype="0" fill="hold" nodeType="clickEffect">
+                                  <p:stCondLst>
+                                    <p:cond delay="0"/>
+                                  </p:stCondLst>
+                                  <p:childTnLst>
+                                    <p:set>
+                                      <p:cBhvr>
+                                        <p:cTn id="28" dur="1" fill="hold">
+                                          <p:stCondLst>
+                                            <p:cond delay="0"/>
+                                          </p:stCondLst>
+                                        </p:cTn>
+                                        <p:tgtEl>
+                                          <p:spTgt spid="40"/>
+                                        </p:tgtEl>
+                                        <p:attrNameLst>
+                                          <p:attrName>style.visibility</p:attrName>
+                                        </p:attrNameLst>
+                                      </p:cBhvr>
+                                      <p:to>
+                                        <p:strVal val="visible"/>
+                                      </p:to>
+                                    </p:set>
+                                    <p:animEffect transition="in" filter="fade">
+                                      <p:cBhvr>
+                                        <p:cTn id="29" dur="500"/>
+                                        <p:tgtEl>
+                                          <p:spTgt spid="40"/>
+                                        </p:tgtEl>
+                                      </p:cBhvr>
+                                    </p:animEffect>
+                                  </p:childTnLst>
+                                </p:cTn>
+                              </p:par>
+                            </p:childTnLst>
+                          </p:cTn>
+                        </p:par>
+                        <p:par>
+                          <p:cTn id="30" fill="hold">
+                            <p:stCondLst>
+                              <p:cond delay="500"/>
+                            </p:stCondLst>
+                            <p:childTnLst>
+                              <p:par>
+                                <p:cTn id="31" presetID="1" presetClass="entr" presetSubtype="0" fill="hold" nodeType="afterEffect">
+                                  <p:stCondLst>
+                                    <p:cond delay="4750"/>
+                                  </p:stCondLst>
+                                  <p:childTnLst>
+                                    <p:set>
+                                      <p:cBhvr>
+                                        <p:cTn id="32" dur="1" fill="hold">
+                                          <p:stCondLst>
+                                            <p:cond delay="0"/>
+                                          </p:stCondLst>
+                                        </p:cTn>
+                                        <p:tgtEl>
+                                          <p:spTgt spid="44"/>
+                                        </p:tgtEl>
+                                        <p:attrNameLst>
+                                          <p:attrName>style.visibility</p:attrName>
+                                        </p:attrNameLst>
+                                      </p:cBhvr>
+                                      <p:to>
+                                        <p:strVal val="visible"/>
+                                      </p:to>
+                                    </p:set>
+                                  </p:childTnLst>
+                                </p:cTn>
+                              </p:par>
+                            </p:childTnLst>
+                          </p:cTn>
+                        </p:par>
+                      </p:childTnLst>
+                    </p:cTn>
+                  </p:par>
+                </p:childTnLst>
+              </p:cTn>
+              <p:prevCondLst>
+                <p:cond evt="onPrev" delay="0">
+                  <p:tgtEl>
+                    <p:sldTgt/>
+                  </p:tgtEl>
+                </p:cond>
+              </p:prevCondLst>
+              <p:nextCondLst>
+                <p:cond evt="onNext" delay="0">
+                  <p:tgtEl>
+                    <p:sldTgt/>
+                  </p:tgtEl>
+                </p:cond>
+              </p:nextCondLst>
+            </p:seq>
+          </p:childTnLst>
+        </p:cTn>
+      </p:par>
+    </p:tnLst>
+  </p:timing>
+</p:sld>
+</file>
+
+<file path=ppt/slides/slide21.xml><?xml version="1.0" encoding="utf-8"?>
 <p:sld xmlns:a="http://schemas.openxmlformats.org/drawingml/2006/main" xmlns:r="http://schemas.openxmlformats.org/officeDocument/2006/relationships" xmlns:p="http://schemas.openxmlformats.org/presentationml/2006/main">
   <p:cSld>
     <p:spTree>
@@ -10917,7 +13261,7 @@
 </p:sld>
 </file>
 
-<file path=ppt/slides/slide21.xml><?xml version="1.0" encoding="utf-8"?>
+<file path=ppt/slides/slide22.xml><?xml version="1.0" encoding="utf-8"?>
 <p:sld xmlns:a="http://schemas.openxmlformats.org/drawingml/2006/main" xmlns:r="http://schemas.openxmlformats.org/officeDocument/2006/relationships" xmlns:p="http://schemas.openxmlformats.org/presentationml/2006/main">
   <p:cSld>
     <p:spTree>
@@ -12350,7 +14694,7 @@
                 <a:latin typeface="Courier New" panose="02070309020205020404" pitchFamily="49" charset="0"/>
                 <a:cs typeface="Courier New" panose="02070309020205020404" pitchFamily="49" charset="0"/>
               </a:rPr>
-              <a:t>]= (char *) </a:t>
+              <a:t>]= </a:t>
             </a:r>
             <a:r>
               <a:rPr lang="en-US" dirty="0" err="1" smtClean="0">
@@ -12391,7 +14735,7 @@
                 <a:latin typeface="Courier New" panose="02070309020205020404" pitchFamily="49" charset="0"/>
                 <a:cs typeface="Courier New" panose="02070309020205020404" pitchFamily="49" charset="0"/>
               </a:rPr>
-              <a:t>(&amp;a[</a:t>
+              <a:t>(a[</a:t>
             </a:r>
             <a:r>
               <a:rPr lang="en-US" dirty="0" err="1" smtClean="0">
@@ -13082,7 +15426,7 @@
 </p:sld>
 </file>
 
-<file path=ppt/slides/slide22.xml><?xml version="1.0" encoding="utf-8"?>
+<file path=ppt/slides/slide23.xml><?xml version="1.0" encoding="utf-8"?>
 <p:sld xmlns:a="http://schemas.openxmlformats.org/drawingml/2006/main" xmlns:r="http://schemas.openxmlformats.org/officeDocument/2006/relationships" xmlns:p="http://schemas.openxmlformats.org/presentationml/2006/main">
   <p:cSld>
     <p:spTree>
@@ -15860,14 +18204,7 @@
                 <a:latin typeface="Courier New" panose="02070309020205020404" pitchFamily="49" charset="0"/>
                 <a:cs typeface="Courier New" panose="02070309020205020404" pitchFamily="49" charset="0"/>
               </a:rPr>
-              <a:t>(“%</a:t>
-            </a:r>
-            <a:r>
-              <a:rPr lang="en-US" dirty="0" smtClean="0">
-                <a:latin typeface="Courier New" panose="02070309020205020404" pitchFamily="49" charset="0"/>
-                <a:cs typeface="Courier New" panose="02070309020205020404" pitchFamily="49" charset="0"/>
-              </a:rPr>
-              <a:t>d</a:t>
+              <a:t>(“%d</a:t>
             </a:r>
             <a:r>
               <a:rPr lang="en-US" dirty="0">
@@ -15881,14 +18218,7 @@
                 <a:latin typeface="Courier New" panose="02070309020205020404" pitchFamily="49" charset="0"/>
                 <a:cs typeface="Courier New" panose="02070309020205020404" pitchFamily="49" charset="0"/>
               </a:rPr>
-              <a:t>%d</a:t>
-            </a:r>
-            <a:r>
-              <a:rPr lang="en-US" dirty="0" smtClean="0">
-                <a:latin typeface="Courier New" panose="02070309020205020404" pitchFamily="49" charset="0"/>
-                <a:cs typeface="Courier New" panose="02070309020205020404" pitchFamily="49" charset="0"/>
-              </a:rPr>
-              <a:t>”, &amp;x1, &amp;x2);</a:t>
+              <a:t>%d”, &amp;x1, &amp;x2);</a:t>
             </a:r>
             <a:br>
               <a:rPr lang="en-US" dirty="0" smtClean="0">
@@ -17385,21 +19715,7 @@
                 <a:latin typeface="Courier New" panose="02070309020205020404" pitchFamily="49" charset="0"/>
                 <a:cs typeface="Courier New" panose="02070309020205020404" pitchFamily="49" charset="0"/>
               </a:rPr>
-              <a:t>void </a:t>
-            </a:r>
-            <a:r>
-              <a:rPr lang="en-US" dirty="0" smtClean="0">
-                <a:latin typeface="Courier New" panose="02070309020205020404" pitchFamily="49" charset="0"/>
-                <a:cs typeface="Courier New" panose="02070309020205020404" pitchFamily="49" charset="0"/>
-              </a:rPr>
-              <a:t>add_1c </a:t>
-            </a:r>
-            <a:r>
-              <a:rPr lang="en-US" dirty="0" smtClean="0">
-                <a:latin typeface="Courier New" panose="02070309020205020404" pitchFamily="49" charset="0"/>
-                <a:cs typeface="Courier New" panose="02070309020205020404" pitchFamily="49" charset="0"/>
-              </a:rPr>
-              <a:t>(</a:t>
+              <a:t>void add_1c (</a:t>
             </a:r>
             <a:r>
               <a:rPr lang="en-US" dirty="0" err="1" smtClean="0">

--- a/slides/08-Pointers.pptx
+++ b/slides/08-Pointers.pptx
@@ -265,7 +265,7 @@
           <a:p>
             <a:fld id="{F83332AF-25CD-4F6A-A43B-D3F750BDAB3D}" type="datetimeFigureOut">
               <a:rPr lang="en-US" smtClean="0"/>
-              <a:t>11/10/2023</a:t>
+              <a:t>09-Sep-24</a:t>
             </a:fld>
             <a:endParaRPr lang="en-US"/>
           </a:p>
@@ -435,7 +435,7 @@
           <a:p>
             <a:fld id="{F83332AF-25CD-4F6A-A43B-D3F750BDAB3D}" type="datetimeFigureOut">
               <a:rPr lang="en-US" smtClean="0"/>
-              <a:t>11/10/2023</a:t>
+              <a:t>09-Sep-24</a:t>
             </a:fld>
             <a:endParaRPr lang="en-US"/>
           </a:p>
@@ -615,7 +615,7 @@
           <a:p>
             <a:fld id="{F83332AF-25CD-4F6A-A43B-D3F750BDAB3D}" type="datetimeFigureOut">
               <a:rPr lang="en-US" smtClean="0"/>
-              <a:t>11/10/2023</a:t>
+              <a:t>09-Sep-24</a:t>
             </a:fld>
             <a:endParaRPr lang="en-US"/>
           </a:p>
@@ -785,7 +785,7 @@
           <a:p>
             <a:fld id="{F83332AF-25CD-4F6A-A43B-D3F750BDAB3D}" type="datetimeFigureOut">
               <a:rPr lang="en-US" smtClean="0"/>
-              <a:t>11/10/2023</a:t>
+              <a:t>09-Sep-24</a:t>
             </a:fld>
             <a:endParaRPr lang="en-US"/>
           </a:p>
@@ -1031,7 +1031,7 @@
           <a:p>
             <a:fld id="{F83332AF-25CD-4F6A-A43B-D3F750BDAB3D}" type="datetimeFigureOut">
               <a:rPr lang="en-US" smtClean="0"/>
-              <a:t>11/10/2023</a:t>
+              <a:t>09-Sep-24</a:t>
             </a:fld>
             <a:endParaRPr lang="en-US"/>
           </a:p>
@@ -1263,7 +1263,7 @@
           <a:p>
             <a:fld id="{F83332AF-25CD-4F6A-A43B-D3F750BDAB3D}" type="datetimeFigureOut">
               <a:rPr lang="en-US" smtClean="0"/>
-              <a:t>11/10/2023</a:t>
+              <a:t>09-Sep-24</a:t>
             </a:fld>
             <a:endParaRPr lang="en-US"/>
           </a:p>
@@ -1630,7 +1630,7 @@
           <a:p>
             <a:fld id="{F83332AF-25CD-4F6A-A43B-D3F750BDAB3D}" type="datetimeFigureOut">
               <a:rPr lang="en-US" smtClean="0"/>
-              <a:t>11/10/2023</a:t>
+              <a:t>09-Sep-24</a:t>
             </a:fld>
             <a:endParaRPr lang="en-US"/>
           </a:p>
@@ -1748,7 +1748,7 @@
           <a:p>
             <a:fld id="{F83332AF-25CD-4F6A-A43B-D3F750BDAB3D}" type="datetimeFigureOut">
               <a:rPr lang="en-US" smtClean="0"/>
-              <a:t>11/10/2023</a:t>
+              <a:t>09-Sep-24</a:t>
             </a:fld>
             <a:endParaRPr lang="en-US"/>
           </a:p>
@@ -1843,7 +1843,7 @@
           <a:p>
             <a:fld id="{F83332AF-25CD-4F6A-A43B-D3F750BDAB3D}" type="datetimeFigureOut">
               <a:rPr lang="en-US" smtClean="0"/>
-              <a:t>11/10/2023</a:t>
+              <a:t>09-Sep-24</a:t>
             </a:fld>
             <a:endParaRPr lang="en-US"/>
           </a:p>
@@ -2120,7 +2120,7 @@
           <a:p>
             <a:fld id="{F83332AF-25CD-4F6A-A43B-D3F750BDAB3D}" type="datetimeFigureOut">
               <a:rPr lang="en-US" smtClean="0"/>
-              <a:t>11/10/2023</a:t>
+              <a:t>09-Sep-24</a:t>
             </a:fld>
             <a:endParaRPr lang="en-US"/>
           </a:p>
@@ -2373,7 +2373,7 @@
           <a:p>
             <a:fld id="{F83332AF-25CD-4F6A-A43B-D3F750BDAB3D}" type="datetimeFigureOut">
               <a:rPr lang="en-US" smtClean="0"/>
-              <a:t>11/10/2023</a:t>
+              <a:t>09-Sep-24</a:t>
             </a:fld>
             <a:endParaRPr lang="en-US"/>
           </a:p>
@@ -2586,7 +2586,7 @@
           <a:p>
             <a:fld id="{F83332AF-25CD-4F6A-A43B-D3F750BDAB3D}" type="datetimeFigureOut">
               <a:rPr lang="en-US" smtClean="0"/>
-              <a:t>11/10/2023</a:t>
+              <a:t>09-Sep-24</a:t>
             </a:fld>
             <a:endParaRPr lang="en-US"/>
           </a:p>
@@ -3542,25 +3542,25 @@
               <a:buNone/>
             </a:pPr>
             <a:r>
+              <a:rPr lang="en-US" sz="2400" smtClean="0">
+                <a:latin typeface="Courier New" panose="02070309020205020404" pitchFamily="49" charset="0"/>
+                <a:cs typeface="Courier New" panose="02070309020205020404" pitchFamily="49" charset="0"/>
+              </a:rPr>
+              <a:t>   </a:t>
+            </a:r>
+            <a:r>
+              <a:rPr lang="en-US" sz="2400" smtClean="0">
+                <a:latin typeface="Courier New" panose="02070309020205020404" pitchFamily="49" charset="0"/>
+                <a:cs typeface="Courier New" panose="02070309020205020404" pitchFamily="49" charset="0"/>
+              </a:rPr>
+              <a:t>add_1all(a,5);</a:t>
+            </a:r>
+            <a:r>
               <a:rPr lang="en-US" sz="2400" dirty="0" smtClean="0">
                 <a:latin typeface="Courier New" panose="02070309020205020404" pitchFamily="49" charset="0"/>
                 <a:cs typeface="Courier New" panose="02070309020205020404" pitchFamily="49" charset="0"/>
               </a:rPr>
-              <a:t>   </a:t>
-            </a:r>
-            <a:r>
-              <a:rPr lang="en-US" sz="2400" dirty="0" err="1" smtClean="0">
-                <a:latin typeface="Courier New" panose="02070309020205020404" pitchFamily="49" charset="0"/>
-                <a:cs typeface="Courier New" panose="02070309020205020404" pitchFamily="49" charset="0"/>
-              </a:rPr>
-              <a:t>demote_allA</a:t>
-            </a:r>
-            <a:r>
-              <a:rPr lang="en-US" sz="2400" dirty="0" smtClean="0">
-                <a:latin typeface="Courier New" panose="02070309020205020404" pitchFamily="49" charset="0"/>
-                <a:cs typeface="Courier New" panose="02070309020205020404" pitchFamily="49" charset="0"/>
-              </a:rPr>
-              <a:t>(a);</a:t>
+              <a:t/>
             </a:r>
             <a:br>
               <a:rPr lang="en-US" sz="2400" dirty="0" smtClean="0">
@@ -4083,18 +4083,18 @@
               <a:t>   </a:t>
             </a:r>
             <a:r>
-              <a:rPr lang="en-US" sz="2400" dirty="0" err="1" smtClean="0">
-                <a:latin typeface="Courier New" panose="02070309020205020404" pitchFamily="49" charset="0"/>
-                <a:cs typeface="Courier New" panose="02070309020205020404" pitchFamily="49" charset="0"/>
-              </a:rPr>
-              <a:t>demote_allA</a:t>
-            </a:r>
-            <a:r>
               <a:rPr lang="en-US" sz="2400" dirty="0" smtClean="0">
                 <a:latin typeface="Courier New" panose="02070309020205020404" pitchFamily="49" charset="0"/>
                 <a:cs typeface="Courier New" panose="02070309020205020404" pitchFamily="49" charset="0"/>
               </a:rPr>
-              <a:t>(a);</a:t>
+              <a:t>add_1all(a,5);</a:t>
+            </a:r>
+            <a:r>
+              <a:rPr lang="en-US" sz="2400" dirty="0" smtClean="0">
+                <a:latin typeface="Courier New" panose="02070309020205020404" pitchFamily="49" charset="0"/>
+                <a:cs typeface="Courier New" panose="02070309020205020404" pitchFamily="49" charset="0"/>
+              </a:rPr>
+              <a:t/>
             </a:r>
             <a:br>
               <a:rPr lang="en-US" sz="2400" dirty="0" smtClean="0">
@@ -7426,11 +7426,7 @@
           <a:p>
             <a:r>
               <a:rPr lang="en-US" dirty="0" smtClean="0"/>
-              <a:t>Dynamically allocating </a:t>
-            </a:r>
-            <a:r>
-              <a:rPr lang="en-US" dirty="0" smtClean="0"/>
-              <a:t>memory</a:t>
+              <a:t>Dynamically allocating memory</a:t>
             </a:r>
           </a:p>
           <a:p>
